--- a/pptx/jackhack2018_opening.pptx
+++ b/pptx/jackhack2018_opening.pptx
@@ -205,7 +205,7 @@
           <a:p>
             <a:fld id="{044E776A-FE8C-FF46-A874-CC3A365D9B18}" type="datetimeFigureOut">
               <a:rPr kumimoji="1" lang="ja-JP" altLang="en-US" smtClean="0"/>
-              <a:t>2018/4/28</a:t>
+              <a:t>2018/4/30</a:t>
             </a:fld>
             <a:endParaRPr kumimoji="1" lang="ja-JP" altLang="en-US"/>
           </a:p>
@@ -720,7 +720,7 @@
           <a:p>
             <a:fld id="{A544B129-325A-4648-B080-F98DADD1A2A8}" type="datetimeFigureOut">
               <a:rPr kumimoji="1" lang="ja-JP" altLang="en-US" smtClean="0"/>
-              <a:t>2018/4/28</a:t>
+              <a:t>2018/4/30</a:t>
             </a:fld>
             <a:endParaRPr kumimoji="1" lang="ja-JP" altLang="en-US"/>
           </a:p>
@@ -929,7 +929,7 @@
           <a:p>
             <a:fld id="{A544B129-325A-4648-B080-F98DADD1A2A8}" type="datetimeFigureOut">
               <a:rPr kumimoji="1" lang="ja-JP" altLang="en-US" smtClean="0"/>
-              <a:t>2018/4/28</a:t>
+              <a:t>2018/4/30</a:t>
             </a:fld>
             <a:endParaRPr kumimoji="1" lang="ja-JP" altLang="en-US"/>
           </a:p>
@@ -1141,7 +1141,7 @@
           <a:p>
             <a:fld id="{A544B129-325A-4648-B080-F98DADD1A2A8}" type="datetimeFigureOut">
               <a:rPr kumimoji="1" lang="ja-JP" altLang="en-US" smtClean="0"/>
-              <a:t>2018/4/28</a:t>
+              <a:t>2018/4/30</a:t>
             </a:fld>
             <a:endParaRPr kumimoji="1" lang="ja-JP" altLang="en-US"/>
           </a:p>
@@ -1343,7 +1343,7 @@
           <a:p>
             <a:fld id="{A544B129-325A-4648-B080-F98DADD1A2A8}" type="datetimeFigureOut">
               <a:rPr kumimoji="1" lang="ja-JP" altLang="en-US" smtClean="0"/>
-              <a:t>2018/4/28</a:t>
+              <a:t>2018/4/30</a:t>
             </a:fld>
             <a:endParaRPr kumimoji="1" lang="ja-JP" altLang="en-US"/>
           </a:p>
@@ -1589,7 +1589,7 @@
           <a:p>
             <a:fld id="{A544B129-325A-4648-B080-F98DADD1A2A8}" type="datetimeFigureOut">
               <a:rPr kumimoji="1" lang="ja-JP" altLang="en-US" smtClean="0"/>
-              <a:t>2018/4/28</a:t>
+              <a:t>2018/4/30</a:t>
             </a:fld>
             <a:endParaRPr kumimoji="1" lang="ja-JP" altLang="en-US"/>
           </a:p>
@@ -1885,7 +1885,7 @@
           <a:p>
             <a:fld id="{A544B129-325A-4648-B080-F98DADD1A2A8}" type="datetimeFigureOut">
               <a:rPr kumimoji="1" lang="ja-JP" altLang="en-US" smtClean="0"/>
-              <a:t>2018/4/28</a:t>
+              <a:t>2018/4/30</a:t>
             </a:fld>
             <a:endParaRPr kumimoji="1" lang="ja-JP" altLang="en-US"/>
           </a:p>
@@ -2316,7 +2316,7 @@
           <a:p>
             <a:fld id="{A544B129-325A-4648-B080-F98DADD1A2A8}" type="datetimeFigureOut">
               <a:rPr kumimoji="1" lang="ja-JP" altLang="en-US" smtClean="0"/>
-              <a:t>2018/4/28</a:t>
+              <a:t>2018/4/30</a:t>
             </a:fld>
             <a:endParaRPr kumimoji="1" lang="ja-JP" altLang="en-US"/>
           </a:p>
@@ -2434,7 +2434,7 @@
           <a:p>
             <a:fld id="{A544B129-325A-4648-B080-F98DADD1A2A8}" type="datetimeFigureOut">
               <a:rPr kumimoji="1" lang="ja-JP" altLang="en-US" smtClean="0"/>
-              <a:t>2018/4/28</a:t>
+              <a:t>2018/4/30</a:t>
             </a:fld>
             <a:endParaRPr kumimoji="1" lang="ja-JP" altLang="en-US"/>
           </a:p>
@@ -2529,7 +2529,7 @@
           <a:p>
             <a:fld id="{A544B129-325A-4648-B080-F98DADD1A2A8}" type="datetimeFigureOut">
               <a:rPr kumimoji="1" lang="ja-JP" altLang="en-US" smtClean="0"/>
-              <a:t>2018/4/28</a:t>
+              <a:t>2018/4/30</a:t>
             </a:fld>
             <a:endParaRPr kumimoji="1" lang="ja-JP" altLang="en-US"/>
           </a:p>
@@ -2838,7 +2838,7 @@
           <a:p>
             <a:fld id="{A544B129-325A-4648-B080-F98DADD1A2A8}" type="datetimeFigureOut">
               <a:rPr kumimoji="1" lang="ja-JP" altLang="en-US" smtClean="0"/>
-              <a:t>2018/4/28</a:t>
+              <a:t>2018/4/30</a:t>
             </a:fld>
             <a:endParaRPr kumimoji="1" lang="ja-JP" altLang="en-US"/>
           </a:p>
@@ -3091,7 +3091,7 @@
           <a:p>
             <a:fld id="{A544B129-325A-4648-B080-F98DADD1A2A8}" type="datetimeFigureOut">
               <a:rPr kumimoji="1" lang="ja-JP" altLang="en-US" smtClean="0"/>
-              <a:t>2018/4/28</a:t>
+              <a:t>2018/4/30</a:t>
             </a:fld>
             <a:endParaRPr kumimoji="1" lang="ja-JP" altLang="en-US"/>
           </a:p>
@@ -3342,7 +3342,7 @@
           <a:p>
             <a:fld id="{A544B129-325A-4648-B080-F98DADD1A2A8}" type="datetimeFigureOut">
               <a:rPr kumimoji="1" lang="ja-JP" altLang="en-US" smtClean="0"/>
-              <a:t>2018/4/28</a:t>
+              <a:t>2018/4/30</a:t>
             </a:fld>
             <a:endParaRPr kumimoji="1" lang="ja-JP" altLang="en-US"/>
           </a:p>
@@ -5930,7 +5930,11 @@
             </a:pPr>
             <a:r>
               <a:rPr kumimoji="1" lang="ja-JP" altLang="en-US" sz="3200" dirty="0" smtClean="0"/>
-              <a:t>１チーム５分の発表とさせていただきます！</a:t>
+              <a:t>１チーム５分の発表</a:t>
+            </a:r>
+            <a:r>
+              <a:rPr kumimoji="1" lang="ja-JP" altLang="en-US" sz="3200" dirty="0" smtClean="0"/>
+              <a:t>とします！（デモ含み）</a:t>
             </a:r>
             <a:endParaRPr kumimoji="1" lang="en-US" altLang="ja-JP" sz="3200" dirty="0" smtClean="0"/>
           </a:p>
@@ -5954,7 +5958,15 @@
             </a:pPr>
             <a:r>
               <a:rPr lang="ja-JP" altLang="en-US" sz="3200" dirty="0" smtClean="0"/>
-              <a:t>時間オーバーはなし！</a:t>
+              <a:t>時間</a:t>
+            </a:r>
+            <a:r>
+              <a:rPr lang="ja-JP" altLang="en-US" sz="3200" dirty="0" smtClean="0"/>
+              <a:t>オーバー</a:t>
+            </a:r>
+            <a:r>
+              <a:rPr lang="ja-JP" altLang="en-US" sz="3200" dirty="0" smtClean="0"/>
+              <a:t>はなし！</a:t>
             </a:r>
             <a:endParaRPr lang="en-US" altLang="ja-JP" sz="3200" dirty="0" smtClean="0"/>
           </a:p>
@@ -5978,7 +5990,11 @@
             </a:pPr>
             <a:r>
               <a:rPr lang="ja-JP" altLang="en-US" sz="3200" dirty="0" smtClean="0"/>
-              <a:t>発表の途中でも中断させていただきます！</a:t>
+              <a:t>発表</a:t>
+            </a:r>
+            <a:r>
+              <a:rPr lang="ja-JP" altLang="en-US" sz="3200" dirty="0" smtClean="0"/>
+              <a:t>の途中でも中断させていただきます！</a:t>
             </a:r>
             <a:endParaRPr kumimoji="1" lang="ja-JP" altLang="en-US" sz="3200" dirty="0"/>
           </a:p>

--- a/pptx/jackhack2018_opening.pptx
+++ b/pptx/jackhack2018_opening.pptx
@@ -5,7 +5,7 @@
     <p:sldMasterId id="2147483648" r:id="rId1"/>
   </p:sldMasterIdLst>
   <p:notesMasterIdLst>
-    <p:notesMasterId r:id="rId11"/>
+    <p:notesMasterId r:id="rId18"/>
   </p:notesMasterIdLst>
   <p:sldIdLst>
     <p:sldId id="256" r:id="rId2"/>
@@ -15,8 +15,15 @@
     <p:sldId id="262" r:id="rId6"/>
     <p:sldId id="257" r:id="rId7"/>
     <p:sldId id="259" r:id="rId8"/>
-    <p:sldId id="258" r:id="rId9"/>
-    <p:sldId id="261" r:id="rId10"/>
+    <p:sldId id="266" r:id="rId9"/>
+    <p:sldId id="269" r:id="rId10"/>
+    <p:sldId id="270" r:id="rId11"/>
+    <p:sldId id="271" r:id="rId12"/>
+    <p:sldId id="273" r:id="rId13"/>
+    <p:sldId id="272" r:id="rId14"/>
+    <p:sldId id="258" r:id="rId15"/>
+    <p:sldId id="267" r:id="rId16"/>
+    <p:sldId id="261" r:id="rId17"/>
   </p:sldIdLst>
   <p:sldSz cx="12192000" cy="6858000"/>
   <p:notesSz cx="6858000" cy="9144000"/>
@@ -205,7 +212,7 @@
           <a:p>
             <a:fld id="{044E776A-FE8C-FF46-A874-CC3A365D9B18}" type="datetimeFigureOut">
               <a:rPr kumimoji="1" lang="ja-JP" altLang="en-US" smtClean="0"/>
-              <a:t>2018/4/30</a:t>
+              <a:t>2018/5/3</a:t>
             </a:fld>
             <a:endParaRPr kumimoji="1" lang="ja-JP" altLang="en-US"/>
           </a:p>
@@ -720,7 +727,7 @@
           <a:p>
             <a:fld id="{A544B129-325A-4648-B080-F98DADD1A2A8}" type="datetimeFigureOut">
               <a:rPr kumimoji="1" lang="ja-JP" altLang="en-US" smtClean="0"/>
-              <a:t>2018/4/30</a:t>
+              <a:t>2018/5/3</a:t>
             </a:fld>
             <a:endParaRPr kumimoji="1" lang="ja-JP" altLang="en-US"/>
           </a:p>
@@ -790,7 +797,7 @@
 
 <file path=ppt/slideLayouts/slideLayout10.xml><?xml version="1.0" encoding="utf-8"?>
 <p:sldLayout xmlns:a="http://schemas.openxmlformats.org/drawingml/2006/main" xmlns:r="http://schemas.openxmlformats.org/officeDocument/2006/relationships" xmlns:p="http://schemas.openxmlformats.org/presentationml/2006/main" type="vertTx" preserve="1">
-  <p:cSld name="タイトルと&#13;&#10;縦書きテキスト">
+  <p:cSld name="タイトルと&#10;縦書きテキスト">
     <p:spTree>
       <p:nvGrpSpPr>
         <p:cNvPr id="1" name=""/>
@@ -929,7 +936,7 @@
           <a:p>
             <a:fld id="{A544B129-325A-4648-B080-F98DADD1A2A8}" type="datetimeFigureOut">
               <a:rPr kumimoji="1" lang="ja-JP" altLang="en-US" smtClean="0"/>
-              <a:t>2018/4/30</a:t>
+              <a:t>2018/5/3</a:t>
             </a:fld>
             <a:endParaRPr kumimoji="1" lang="ja-JP" altLang="en-US"/>
           </a:p>
@@ -1141,7 +1148,7 @@
           <a:p>
             <a:fld id="{A544B129-325A-4648-B080-F98DADD1A2A8}" type="datetimeFigureOut">
               <a:rPr kumimoji="1" lang="ja-JP" altLang="en-US" smtClean="0"/>
-              <a:t>2018/4/30</a:t>
+              <a:t>2018/5/3</a:t>
             </a:fld>
             <a:endParaRPr kumimoji="1" lang="ja-JP" altLang="en-US"/>
           </a:p>
@@ -1343,7 +1350,7 @@
           <a:p>
             <a:fld id="{A544B129-325A-4648-B080-F98DADD1A2A8}" type="datetimeFigureOut">
               <a:rPr kumimoji="1" lang="ja-JP" altLang="en-US" smtClean="0"/>
-              <a:t>2018/4/30</a:t>
+              <a:t>2018/5/3</a:t>
             </a:fld>
             <a:endParaRPr kumimoji="1" lang="ja-JP" altLang="en-US"/>
           </a:p>
@@ -1589,7 +1596,7 @@
           <a:p>
             <a:fld id="{A544B129-325A-4648-B080-F98DADD1A2A8}" type="datetimeFigureOut">
               <a:rPr kumimoji="1" lang="ja-JP" altLang="en-US" smtClean="0"/>
-              <a:t>2018/4/30</a:t>
+              <a:t>2018/5/3</a:t>
             </a:fld>
             <a:endParaRPr kumimoji="1" lang="ja-JP" altLang="en-US"/>
           </a:p>
@@ -1885,7 +1892,7 @@
           <a:p>
             <a:fld id="{A544B129-325A-4648-B080-F98DADD1A2A8}" type="datetimeFigureOut">
               <a:rPr kumimoji="1" lang="ja-JP" altLang="en-US" smtClean="0"/>
-              <a:t>2018/4/30</a:t>
+              <a:t>2018/5/3</a:t>
             </a:fld>
             <a:endParaRPr kumimoji="1" lang="ja-JP" altLang="en-US"/>
           </a:p>
@@ -2316,7 +2323,7 @@
           <a:p>
             <a:fld id="{A544B129-325A-4648-B080-F98DADD1A2A8}" type="datetimeFigureOut">
               <a:rPr kumimoji="1" lang="ja-JP" altLang="en-US" smtClean="0"/>
-              <a:t>2018/4/30</a:t>
+              <a:t>2018/5/3</a:t>
             </a:fld>
             <a:endParaRPr kumimoji="1" lang="ja-JP" altLang="en-US"/>
           </a:p>
@@ -2434,7 +2441,7 @@
           <a:p>
             <a:fld id="{A544B129-325A-4648-B080-F98DADD1A2A8}" type="datetimeFigureOut">
               <a:rPr kumimoji="1" lang="ja-JP" altLang="en-US" smtClean="0"/>
-              <a:t>2018/4/30</a:t>
+              <a:t>2018/5/3</a:t>
             </a:fld>
             <a:endParaRPr kumimoji="1" lang="ja-JP" altLang="en-US"/>
           </a:p>
@@ -2529,7 +2536,7 @@
           <a:p>
             <a:fld id="{A544B129-325A-4648-B080-F98DADD1A2A8}" type="datetimeFigureOut">
               <a:rPr kumimoji="1" lang="ja-JP" altLang="en-US" smtClean="0"/>
-              <a:t>2018/4/30</a:t>
+              <a:t>2018/5/3</a:t>
             </a:fld>
             <a:endParaRPr kumimoji="1" lang="ja-JP" altLang="en-US"/>
           </a:p>
@@ -2592,7 +2599,7 @@
 
 <file path=ppt/slideLayouts/slideLayout8.xml><?xml version="1.0" encoding="utf-8"?>
 <p:sldLayout xmlns:a="http://schemas.openxmlformats.org/drawingml/2006/main" xmlns:r="http://schemas.openxmlformats.org/officeDocument/2006/relationships" xmlns:p="http://schemas.openxmlformats.org/presentationml/2006/main" type="objTx" preserve="1">
-  <p:cSld name="タイトル付きの&#13;&#10;コンテンツ">
+  <p:cSld name="タイトル付きの&#10;コンテンツ">
     <p:spTree>
       <p:nvGrpSpPr>
         <p:cNvPr id="1" name=""/>
@@ -2838,7 +2845,7 @@
           <a:p>
             <a:fld id="{A544B129-325A-4648-B080-F98DADD1A2A8}" type="datetimeFigureOut">
               <a:rPr kumimoji="1" lang="ja-JP" altLang="en-US" smtClean="0"/>
-              <a:t>2018/4/30</a:t>
+              <a:t>2018/5/3</a:t>
             </a:fld>
             <a:endParaRPr kumimoji="1" lang="ja-JP" altLang="en-US"/>
           </a:p>
@@ -3091,7 +3098,7 @@
           <a:p>
             <a:fld id="{A544B129-325A-4648-B080-F98DADD1A2A8}" type="datetimeFigureOut">
               <a:rPr kumimoji="1" lang="ja-JP" altLang="en-US" smtClean="0"/>
-              <a:t>2018/4/30</a:t>
+              <a:t>2018/5/3</a:t>
             </a:fld>
             <a:endParaRPr kumimoji="1" lang="ja-JP" altLang="en-US"/>
           </a:p>
@@ -3342,7 +3349,7 @@
           <a:p>
             <a:fld id="{A544B129-325A-4648-B080-F98DADD1A2A8}" type="datetimeFigureOut">
               <a:rPr kumimoji="1" lang="ja-JP" altLang="en-US" smtClean="0"/>
-              <a:t>2018/4/30</a:t>
+              <a:t>2018/5/3</a:t>
             </a:fld>
             <a:endParaRPr kumimoji="1" lang="ja-JP" altLang="en-US"/>
           </a:p>
@@ -3874,6 +3881,2563 @@
 </p:sld>
 </file>
 
+<file path=ppt/slides/slide10.xml><?xml version="1.0" encoding="utf-8"?>
+<p:sld xmlns:a="http://schemas.openxmlformats.org/drawingml/2006/main" xmlns:r="http://schemas.openxmlformats.org/officeDocument/2006/relationships" xmlns:p="http://schemas.openxmlformats.org/presentationml/2006/main">
+  <p:cSld>
+    <p:spTree>
+      <p:nvGrpSpPr>
+        <p:cNvPr id="1" name=""/>
+        <p:cNvGrpSpPr/>
+        <p:nvPr/>
+      </p:nvGrpSpPr>
+      <p:grpSpPr>
+        <a:xfrm>
+          <a:off x="0" y="0"/>
+          <a:ext cx="0" cy="0"/>
+          <a:chOff x="0" y="0"/>
+          <a:chExt cx="0" cy="0"/>
+        </a:xfrm>
+      </p:grpSpPr>
+      <p:sp>
+        <p:nvSpPr>
+          <p:cNvPr id="2" name="タイトル 1"/>
+          <p:cNvSpPr>
+            <a:spLocks noGrp="1"/>
+          </p:cNvSpPr>
+          <p:nvPr>
+            <p:ph type="title"/>
+          </p:nvPr>
+        </p:nvSpPr>
+        <p:spPr/>
+        <p:txBody>
+          <a:bodyPr>
+            <a:normAutofit/>
+          </a:bodyPr>
+          <a:lstStyle/>
+          <a:p>
+            <a:r>
+              <a:rPr lang="ja-JP" altLang="en-US" sz="5400" spc="600" dirty="0" smtClean="0"/>
+              <a:t>流れ</a:t>
+            </a:r>
+            <a:endParaRPr lang="ja-JP" altLang="en-US" sz="5400" spc="600" dirty="0"/>
+          </a:p>
+        </p:txBody>
+      </p:sp>
+      <p:sp>
+        <p:nvSpPr>
+          <p:cNvPr id="3" name="コンテンツ プレースホルダー 2"/>
+          <p:cNvSpPr>
+            <a:spLocks noGrp="1"/>
+          </p:cNvSpPr>
+          <p:nvPr>
+            <p:ph idx="1"/>
+          </p:nvPr>
+        </p:nvSpPr>
+        <p:spPr>
+          <a:xfrm>
+            <a:off x="838200" y="1973907"/>
+            <a:ext cx="10515600" cy="3586634"/>
+          </a:xfrm>
+        </p:spPr>
+        <p:txBody>
+          <a:bodyPr>
+            <a:normAutofit lnSpcReduction="10000"/>
+          </a:bodyPr>
+          <a:lstStyle/>
+          <a:p>
+            <a:pPr marL="0" indent="0">
+              <a:buNone/>
+            </a:pPr>
+            <a:r>
+              <a:rPr lang="en-US" altLang="ja-JP" sz="3200" spc="600" dirty="0" smtClean="0"/>
+              <a:t>1.</a:t>
+            </a:r>
+            <a:r>
+              <a:rPr lang="ja-JP" altLang="en-US" sz="3200" spc="600" dirty="0" smtClean="0"/>
+              <a:t>個人で考える（</a:t>
+            </a:r>
+            <a:r>
+              <a:rPr lang="en-US" altLang="ja-JP" sz="3200" spc="600" dirty="0" smtClean="0"/>
+              <a:t>5</a:t>
+            </a:r>
+            <a:r>
+              <a:rPr lang="ja-JP" altLang="en-US" sz="3200" spc="600" dirty="0" smtClean="0"/>
+              <a:t>分）</a:t>
+            </a:r>
+            <a:endParaRPr lang="en-US" altLang="ja-JP" sz="3200" spc="600" dirty="0" smtClean="0"/>
+          </a:p>
+          <a:p>
+            <a:pPr marL="0" indent="0">
+              <a:buNone/>
+            </a:pPr>
+            <a:r>
+              <a:rPr lang="en-US" altLang="ja-JP" sz="3200" spc="600" dirty="0" smtClean="0"/>
+              <a:t>2.</a:t>
+            </a:r>
+            <a:r>
+              <a:rPr lang="ja-JP" altLang="en-US" sz="3200" spc="600" dirty="0" smtClean="0"/>
+              <a:t>チームで話し合う（</a:t>
+            </a:r>
+            <a:r>
+              <a:rPr lang="en-US" altLang="ja-JP" sz="3200" spc="600" dirty="0" smtClean="0"/>
+              <a:t>15</a:t>
+            </a:r>
+            <a:r>
+              <a:rPr lang="ja-JP" altLang="en-US" sz="3200" spc="600" dirty="0" smtClean="0"/>
+              <a:t>分）</a:t>
+            </a:r>
+            <a:endParaRPr lang="en-US" altLang="ja-JP" sz="3200" spc="600" dirty="0" smtClean="0"/>
+          </a:p>
+          <a:p>
+            <a:pPr marL="0" indent="0">
+              <a:buNone/>
+            </a:pPr>
+            <a:r>
+              <a:rPr lang="en-US" altLang="ja-JP" sz="3200" spc="600" dirty="0" smtClean="0"/>
+              <a:t>3.</a:t>
+            </a:r>
+            <a:r>
+              <a:rPr lang="ja-JP" altLang="en-US" sz="3200" spc="600" dirty="0" smtClean="0"/>
+              <a:t>チームごとに発表（</a:t>
+            </a:r>
+            <a:r>
+              <a:rPr lang="en-US" altLang="ja-JP" sz="3200" spc="600" dirty="0" smtClean="0"/>
+              <a:t>1,2</a:t>
+            </a:r>
+            <a:r>
+              <a:rPr lang="ja-JP" altLang="en-US" sz="3200" spc="600" dirty="0" smtClean="0"/>
+              <a:t>分</a:t>
+            </a:r>
+            <a:r>
+              <a:rPr lang="en-US" altLang="ja-JP" sz="3200" spc="600" dirty="0" smtClean="0"/>
+              <a:t>×7</a:t>
+            </a:r>
+            <a:r>
+              <a:rPr lang="ja-JP" altLang="en-US" sz="3200" spc="600" dirty="0" smtClean="0"/>
+              <a:t>チーム）</a:t>
+            </a:r>
+            <a:endParaRPr lang="en-US" altLang="ja-JP" sz="3200" spc="600" dirty="0" smtClean="0"/>
+          </a:p>
+          <a:p>
+            <a:pPr marL="0" indent="0">
+              <a:buNone/>
+            </a:pPr>
+            <a:r>
+              <a:rPr lang="en-US" altLang="ja-JP" sz="3200" spc="600" dirty="0" smtClean="0"/>
+              <a:t>4.</a:t>
+            </a:r>
+            <a:r>
+              <a:rPr lang="ja-JP" altLang="en-US" sz="3200" spc="600" dirty="0" smtClean="0"/>
+              <a:t>模範解答の公開</a:t>
+            </a:r>
+            <a:endParaRPr lang="en-US" altLang="ja-JP" sz="3200" spc="600" dirty="0" smtClean="0"/>
+          </a:p>
+          <a:p>
+            <a:pPr marL="0" indent="0">
+              <a:buNone/>
+            </a:pPr>
+            <a:r>
+              <a:rPr lang="en-US" altLang="ja-JP" sz="3200" spc="600" dirty="0" smtClean="0"/>
+              <a:t>5.</a:t>
+            </a:r>
+            <a:r>
+              <a:rPr lang="ja-JP" altLang="en-US" sz="3200" spc="600" dirty="0" smtClean="0"/>
+              <a:t>模範解答との差を計算する</a:t>
+            </a:r>
+            <a:endParaRPr lang="en-US" altLang="ja-JP" sz="3200" spc="600" dirty="0" smtClean="0"/>
+          </a:p>
+          <a:p>
+            <a:pPr marL="0" indent="0">
+              <a:buNone/>
+            </a:pPr>
+            <a:r>
+              <a:rPr lang="en-US" altLang="ja-JP" sz="3200" spc="600" dirty="0" smtClean="0"/>
+              <a:t>6.</a:t>
+            </a:r>
+            <a:r>
+              <a:rPr lang="ja-JP" altLang="en-US" sz="3200" spc="600" dirty="0" smtClean="0"/>
+              <a:t>差が最も小さいチームの優勝</a:t>
+            </a:r>
+            <a:endParaRPr lang="en-US" altLang="ja-JP" sz="3200" spc="600" dirty="0" smtClean="0"/>
+          </a:p>
+          <a:p>
+            <a:pPr marL="0" indent="0">
+              <a:buNone/>
+            </a:pPr>
+            <a:r>
+              <a:rPr lang="ja-JP" altLang="en-US" sz="3200" spc="600" dirty="0" smtClean="0"/>
+              <a:t>（ただし、焼肉には影響なし 笑）</a:t>
+            </a:r>
+            <a:endParaRPr lang="en-US" altLang="ja-JP" sz="3200" spc="600" dirty="0" smtClean="0"/>
+          </a:p>
+        </p:txBody>
+      </p:sp>
+    </p:spTree>
+    <p:extLst>
+      <p:ext uri="{BB962C8B-B14F-4D97-AF65-F5344CB8AC3E}">
+        <p14:creationId xmlns:p14="http://schemas.microsoft.com/office/powerpoint/2010/main" val="3653065723"/>
+      </p:ext>
+    </p:extLst>
+  </p:cSld>
+  <p:clrMapOvr>
+    <a:masterClrMapping/>
+  </p:clrMapOvr>
+  <p:timing>
+    <p:tnLst>
+      <p:par>
+        <p:cTn id="1" dur="indefinite" restart="never" nodeType="tmRoot"/>
+      </p:par>
+    </p:tnLst>
+  </p:timing>
+</p:sld>
+</file>
+
+<file path=ppt/slides/slide11.xml><?xml version="1.0" encoding="utf-8"?>
+<p:sld xmlns:a="http://schemas.openxmlformats.org/drawingml/2006/main" xmlns:r="http://schemas.openxmlformats.org/officeDocument/2006/relationships" xmlns:p="http://schemas.openxmlformats.org/presentationml/2006/main">
+  <p:cSld>
+    <p:spTree>
+      <p:nvGrpSpPr>
+        <p:cNvPr id="1" name=""/>
+        <p:cNvGrpSpPr/>
+        <p:nvPr/>
+      </p:nvGrpSpPr>
+      <p:grpSpPr>
+        <a:xfrm>
+          <a:off x="0" y="0"/>
+          <a:ext cx="0" cy="0"/>
+          <a:chOff x="0" y="0"/>
+          <a:chExt cx="0" cy="0"/>
+        </a:xfrm>
+      </p:grpSpPr>
+      <p:pic>
+        <p:nvPicPr>
+          <p:cNvPr id="6" name="図 5"/>
+          <p:cNvPicPr>
+            <a:picLocks noChangeAspect="1"/>
+          </p:cNvPicPr>
+          <p:nvPr/>
+        </p:nvPicPr>
+        <p:blipFill>
+          <a:blip r:embed="rId2">
+            <a:extLst>
+              <a:ext uri="{28A0092B-C50C-407E-A947-70E740481C1C}">
+                <a14:useLocalDpi xmlns:a14="http://schemas.microsoft.com/office/drawing/2010/main" val="0"/>
+              </a:ext>
+            </a:extLst>
+          </a:blip>
+          <a:stretch>
+            <a:fillRect/>
+          </a:stretch>
+        </p:blipFill>
+        <p:spPr>
+          <a:xfrm>
+            <a:off x="0" y="-1567543"/>
+            <a:ext cx="12192000" cy="9178834"/>
+          </a:xfrm>
+          <a:prstGeom prst="rect">
+            <a:avLst/>
+          </a:prstGeom>
+        </p:spPr>
+      </p:pic>
+      <p:sp>
+        <p:nvSpPr>
+          <p:cNvPr id="7" name="正方形/長方形 6"/>
+          <p:cNvSpPr/>
+          <p:nvPr/>
+        </p:nvSpPr>
+        <p:spPr>
+          <a:xfrm>
+            <a:off x="-464457" y="-130628"/>
+            <a:ext cx="13062857" cy="8011886"/>
+          </a:xfrm>
+          <a:prstGeom prst="rect">
+            <a:avLst/>
+          </a:prstGeom>
+          <a:solidFill>
+            <a:schemeClr val="tx1">
+              <a:alpha val="70000"/>
+            </a:schemeClr>
+          </a:solidFill>
+        </p:spPr>
+        <p:style>
+          <a:lnRef idx="2">
+            <a:schemeClr val="accent1">
+              <a:shade val="50000"/>
+            </a:schemeClr>
+          </a:lnRef>
+          <a:fillRef idx="1">
+            <a:schemeClr val="accent1"/>
+          </a:fillRef>
+          <a:effectRef idx="0">
+            <a:schemeClr val="accent1"/>
+          </a:effectRef>
+          <a:fontRef idx="minor">
+            <a:schemeClr val="lt1"/>
+          </a:fontRef>
+        </p:style>
+        <p:txBody>
+          <a:bodyPr rtlCol="0" anchor="ctr"/>
+          <a:lstStyle/>
+          <a:p>
+            <a:pPr algn="ctr"/>
+            <a:endParaRPr kumimoji="1" lang="ja-JP" altLang="en-US"/>
+          </a:p>
+        </p:txBody>
+      </p:sp>
+      <p:sp>
+        <p:nvSpPr>
+          <p:cNvPr id="2" name="タイトル 1"/>
+          <p:cNvSpPr>
+            <a:spLocks noGrp="1"/>
+          </p:cNvSpPr>
+          <p:nvPr>
+            <p:ph type="title"/>
+          </p:nvPr>
+        </p:nvSpPr>
+        <p:spPr/>
+        <p:txBody>
+          <a:bodyPr>
+            <a:normAutofit/>
+          </a:bodyPr>
+          <a:lstStyle/>
+          <a:p>
+            <a:r>
+              <a:rPr lang="ja-JP" altLang="en-US" sz="5400" spc="600" dirty="0"/>
+              <a:t>ルール</a:t>
+            </a:r>
+            <a:endParaRPr lang="ja-JP" altLang="en-US" sz="5400" spc="600" dirty="0"/>
+          </a:p>
+        </p:txBody>
+      </p:sp>
+      <p:sp>
+        <p:nvSpPr>
+          <p:cNvPr id="3" name="コンテンツ プレースホルダー 2"/>
+          <p:cNvSpPr>
+            <a:spLocks noGrp="1"/>
+          </p:cNvSpPr>
+          <p:nvPr>
+            <p:ph idx="1"/>
+          </p:nvPr>
+        </p:nvSpPr>
+        <p:spPr>
+          <a:xfrm>
+            <a:off x="838200" y="1973906"/>
+            <a:ext cx="10515600" cy="4673637"/>
+          </a:xfrm>
+        </p:spPr>
+        <p:txBody>
+          <a:bodyPr>
+            <a:noAutofit/>
+          </a:bodyPr>
+          <a:lstStyle/>
+          <a:p>
+            <a:pPr marL="0" indent="0">
+              <a:buNone/>
+            </a:pPr>
+            <a:r>
+              <a:rPr lang="ja-JP" altLang="en-US" sz="2400" dirty="0"/>
+              <a:t>あなた方は宇宙船に乗って月面に着陸しようとしている宇宙飛行士です。</a:t>
+            </a:r>
+            <a:r>
+              <a:rPr lang="ja-JP" altLang="en-US" sz="2400" dirty="0"/>
+              <a:t/>
+            </a:r>
+            <a:br>
+              <a:rPr lang="ja-JP" altLang="en-US" sz="2400" dirty="0"/>
+            </a:br>
+            <a:r>
+              <a:rPr lang="ja-JP" altLang="en-US" sz="2400" dirty="0"/>
+              <a:t>月面には母船が待っているのですが，機械の故障で母船から約</a:t>
+            </a:r>
+            <a:r>
+              <a:rPr lang="en-US" altLang="ja-JP" sz="2400" dirty="0"/>
+              <a:t>200</a:t>
+            </a:r>
+            <a:r>
+              <a:rPr lang="ja-JP" altLang="en-US" sz="2400" dirty="0"/>
+              <a:t>マイル（約</a:t>
+            </a:r>
+            <a:r>
+              <a:rPr lang="en-US" altLang="ja-JP" sz="2400" dirty="0"/>
+              <a:t>320km</a:t>
+            </a:r>
+            <a:r>
+              <a:rPr lang="ja-JP" altLang="en-US" sz="2400" dirty="0"/>
+              <a:t>）離れた所に不時着してしまいました。</a:t>
+            </a:r>
+            <a:r>
+              <a:rPr lang="ja-JP" altLang="en-US" sz="2400" dirty="0"/>
+              <a:t/>
+            </a:r>
+            <a:br>
+              <a:rPr lang="ja-JP" altLang="en-US" sz="2400" dirty="0"/>
+            </a:br>
+            <a:r>
+              <a:rPr lang="ja-JP" altLang="en-US" sz="2400" dirty="0"/>
+              <a:t> </a:t>
+            </a:r>
+            <a:r>
+              <a:rPr lang="ja-JP" altLang="en-US" sz="2400" dirty="0"/>
+              <a:t/>
+            </a:r>
+            <a:br>
+              <a:rPr lang="ja-JP" altLang="en-US" sz="2400" dirty="0"/>
+            </a:br>
+            <a:r>
+              <a:rPr lang="ja-JP" altLang="en-US" sz="2400" dirty="0"/>
+              <a:t>不時着時の衝撃で宇宙船はほとんど壊れ使用不能となりました。</a:t>
+            </a:r>
+            <a:r>
+              <a:rPr lang="ja-JP" altLang="en-US" sz="2400" dirty="0"/>
+              <a:t/>
+            </a:r>
+            <a:br>
+              <a:rPr lang="ja-JP" altLang="en-US" sz="2400" dirty="0"/>
+            </a:br>
+            <a:r>
+              <a:rPr lang="ja-JP" altLang="en-US" sz="2400" dirty="0"/>
+              <a:t>しかし、次の</a:t>
+            </a:r>
+            <a:r>
+              <a:rPr lang="en-US" altLang="ja-JP" sz="2400" dirty="0"/>
+              <a:t>15</a:t>
+            </a:r>
+            <a:r>
+              <a:rPr lang="ja-JP" altLang="en-US" sz="2400" dirty="0"/>
+              <a:t>アイテムは破損を免れて完全なまま残っていました。</a:t>
+            </a:r>
+            <a:r>
+              <a:rPr lang="ja-JP" altLang="en-US" sz="2400" dirty="0"/>
+              <a:t/>
+            </a:r>
+            <a:br>
+              <a:rPr lang="ja-JP" altLang="en-US" sz="2400" dirty="0"/>
+            </a:br>
+            <a:r>
+              <a:rPr lang="ja-JP" altLang="en-US" sz="2400" dirty="0"/>
+              <a:t>「まずは、重要なアイテムを見極めよう」ある宇宙飛行士が言いました。</a:t>
+            </a:r>
+            <a:r>
+              <a:rPr lang="ja-JP" altLang="en-US" sz="2400" dirty="0"/>
+              <a:t/>
+            </a:r>
+            <a:br>
+              <a:rPr lang="ja-JP" altLang="en-US" sz="2400" dirty="0"/>
+            </a:br>
+            <a:r>
+              <a:rPr lang="ja-JP" altLang="en-US" sz="2400" dirty="0"/>
+              <a:t> </a:t>
+            </a:r>
+            <a:r>
+              <a:rPr lang="ja-JP" altLang="en-US" sz="2400" dirty="0"/>
+              <a:t/>
+            </a:r>
+            <a:br>
+              <a:rPr lang="ja-JP" altLang="en-US" sz="2400" dirty="0"/>
+            </a:br>
+            <a:r>
+              <a:rPr lang="ja-JP" altLang="en-US" sz="2400" dirty="0"/>
+              <a:t>「冷静に判断するため、まずは各自で考え、最後は全員で話しあおう。」</a:t>
+            </a:r>
+            <a:r>
+              <a:rPr lang="ja-JP" altLang="en-US" sz="2400" dirty="0"/>
+              <a:t/>
+            </a:r>
+            <a:br>
+              <a:rPr lang="ja-JP" altLang="en-US" sz="2400" dirty="0"/>
+            </a:br>
+            <a:r>
+              <a:rPr lang="ja-JP" altLang="en-US" sz="2400" dirty="0"/>
+              <a:t> </a:t>
+            </a:r>
+            <a:r>
+              <a:rPr lang="ja-JP" altLang="en-US" sz="2400" dirty="0"/>
+              <a:t/>
+            </a:r>
+            <a:br>
+              <a:rPr lang="ja-JP" altLang="en-US" sz="2400" dirty="0"/>
+            </a:br>
+            <a:r>
+              <a:rPr lang="ja-JP" altLang="en-US" sz="2400" dirty="0"/>
+              <a:t>母船に無事たどりつくため，</a:t>
+            </a:r>
+            <a:r>
+              <a:rPr lang="en-US" altLang="ja-JP" sz="2400" dirty="0"/>
+              <a:t>15</a:t>
+            </a:r>
+            <a:r>
+              <a:rPr lang="ja-JP" altLang="en-US" sz="2400" dirty="0"/>
+              <a:t>アイテムの中で必要なものから重要度の高い順に１番から</a:t>
+            </a:r>
+            <a:r>
+              <a:rPr lang="en-US" altLang="ja-JP" sz="2400" dirty="0"/>
+              <a:t>15</a:t>
+            </a:r>
+            <a:r>
+              <a:rPr lang="ja-JP" altLang="en-US" sz="2400" dirty="0"/>
+              <a:t>番までの順位をつけなさい。（最も優先度が高いものが</a:t>
+            </a:r>
+            <a:r>
+              <a:rPr lang="en-US" altLang="ja-JP" sz="2400" dirty="0"/>
+              <a:t>1</a:t>
+            </a:r>
+            <a:r>
+              <a:rPr lang="ja-JP" altLang="en-US" sz="2400" dirty="0"/>
+              <a:t>となります）</a:t>
+            </a:r>
+            <a:endParaRPr lang="en-US" altLang="ja-JP" sz="2400" spc="600" dirty="0" smtClean="0"/>
+          </a:p>
+        </p:txBody>
+      </p:sp>
+    </p:spTree>
+    <p:extLst>
+      <p:ext uri="{BB962C8B-B14F-4D97-AF65-F5344CB8AC3E}">
+        <p14:creationId xmlns:p14="http://schemas.microsoft.com/office/powerpoint/2010/main" val="2731974507"/>
+      </p:ext>
+    </p:extLst>
+  </p:cSld>
+  <p:clrMapOvr>
+    <a:masterClrMapping/>
+  </p:clrMapOvr>
+  <p:timing>
+    <p:tnLst>
+      <p:par>
+        <p:cTn id="1" dur="indefinite" restart="never" nodeType="tmRoot"/>
+      </p:par>
+    </p:tnLst>
+  </p:timing>
+</p:sld>
+</file>
+
+<file path=ppt/slides/slide12.xml><?xml version="1.0" encoding="utf-8"?>
+<p:sld xmlns:a="http://schemas.openxmlformats.org/drawingml/2006/main" xmlns:r="http://schemas.openxmlformats.org/officeDocument/2006/relationships" xmlns:p="http://schemas.openxmlformats.org/presentationml/2006/main">
+  <p:cSld>
+    <p:spTree>
+      <p:nvGrpSpPr>
+        <p:cNvPr id="1" name=""/>
+        <p:cNvGrpSpPr/>
+        <p:nvPr/>
+      </p:nvGrpSpPr>
+      <p:grpSpPr>
+        <a:xfrm>
+          <a:off x="0" y="0"/>
+          <a:ext cx="0" cy="0"/>
+          <a:chOff x="0" y="0"/>
+          <a:chExt cx="0" cy="0"/>
+        </a:xfrm>
+      </p:grpSpPr>
+      <p:pic>
+        <p:nvPicPr>
+          <p:cNvPr id="6" name="図 5"/>
+          <p:cNvPicPr>
+            <a:picLocks noChangeAspect="1"/>
+          </p:cNvPicPr>
+          <p:nvPr/>
+        </p:nvPicPr>
+        <p:blipFill>
+          <a:blip r:embed="rId2">
+            <a:extLst>
+              <a:ext uri="{28A0092B-C50C-407E-A947-70E740481C1C}">
+                <a14:useLocalDpi xmlns:a14="http://schemas.microsoft.com/office/drawing/2010/main" val="0"/>
+              </a:ext>
+            </a:extLst>
+          </a:blip>
+          <a:stretch>
+            <a:fillRect/>
+          </a:stretch>
+        </p:blipFill>
+        <p:spPr>
+          <a:xfrm>
+            <a:off x="0" y="-1567543"/>
+            <a:ext cx="12192000" cy="9178834"/>
+          </a:xfrm>
+          <a:prstGeom prst="rect">
+            <a:avLst/>
+          </a:prstGeom>
+        </p:spPr>
+      </p:pic>
+      <p:sp>
+        <p:nvSpPr>
+          <p:cNvPr id="7" name="正方形/長方形 6"/>
+          <p:cNvSpPr/>
+          <p:nvPr/>
+        </p:nvSpPr>
+        <p:spPr>
+          <a:xfrm>
+            <a:off x="-391886" y="-87086"/>
+            <a:ext cx="12787086" cy="8011886"/>
+          </a:xfrm>
+          <a:prstGeom prst="rect">
+            <a:avLst/>
+          </a:prstGeom>
+          <a:solidFill>
+            <a:schemeClr val="tx1">
+              <a:alpha val="70000"/>
+            </a:schemeClr>
+          </a:solidFill>
+        </p:spPr>
+        <p:style>
+          <a:lnRef idx="2">
+            <a:schemeClr val="accent1">
+              <a:shade val="50000"/>
+            </a:schemeClr>
+          </a:lnRef>
+          <a:fillRef idx="1">
+            <a:schemeClr val="accent1"/>
+          </a:fillRef>
+          <a:effectRef idx="0">
+            <a:schemeClr val="accent1"/>
+          </a:effectRef>
+          <a:fontRef idx="minor">
+            <a:schemeClr val="lt1"/>
+          </a:fontRef>
+        </p:style>
+        <p:txBody>
+          <a:bodyPr rtlCol="0" anchor="ctr"/>
+          <a:lstStyle/>
+          <a:p>
+            <a:pPr algn="ctr"/>
+            <a:endParaRPr kumimoji="1" lang="ja-JP" altLang="en-US" sz="2800" b="1"/>
+          </a:p>
+        </p:txBody>
+      </p:sp>
+      <p:sp>
+        <p:nvSpPr>
+          <p:cNvPr id="2" name="タイトル 1"/>
+          <p:cNvSpPr>
+            <a:spLocks noGrp="1"/>
+          </p:cNvSpPr>
+          <p:nvPr>
+            <p:ph type="title"/>
+          </p:nvPr>
+        </p:nvSpPr>
+        <p:spPr/>
+        <p:txBody>
+          <a:bodyPr>
+            <a:normAutofit/>
+          </a:bodyPr>
+          <a:lstStyle/>
+          <a:p>
+            <a:r>
+              <a:rPr lang="en-US" altLang="ja-JP" sz="5400" spc="600" dirty="0" smtClean="0"/>
+              <a:t>15</a:t>
+            </a:r>
+            <a:r>
+              <a:rPr lang="ja-JP" altLang="en-US" sz="5400" spc="600" dirty="0" smtClean="0"/>
+              <a:t>アイテム</a:t>
+            </a:r>
+            <a:endParaRPr lang="ja-JP" altLang="en-US" sz="5400" spc="600" dirty="0"/>
+          </a:p>
+        </p:txBody>
+      </p:sp>
+      <p:sp>
+        <p:nvSpPr>
+          <p:cNvPr id="3" name="コンテンツ プレースホルダー 2"/>
+          <p:cNvSpPr>
+            <a:spLocks noGrp="1"/>
+          </p:cNvSpPr>
+          <p:nvPr>
+            <p:ph idx="1"/>
+          </p:nvPr>
+        </p:nvSpPr>
+        <p:spPr>
+          <a:xfrm>
+            <a:off x="838199" y="2017448"/>
+            <a:ext cx="5214257" cy="4673637"/>
+          </a:xfrm>
+        </p:spPr>
+        <p:txBody>
+          <a:bodyPr>
+            <a:noAutofit/>
+          </a:bodyPr>
+          <a:lstStyle/>
+          <a:p>
+            <a:pPr marL="0" indent="0">
+              <a:buNone/>
+            </a:pPr>
+            <a:r>
+              <a:rPr lang="ja-JP" altLang="en-US" dirty="0"/>
+              <a:t>・マッチの入った</a:t>
+            </a:r>
+            <a:r>
+              <a:rPr lang="ja-JP" altLang="en-US" dirty="0" smtClean="0"/>
+              <a:t>箱</a:t>
+            </a:r>
+            <a:endParaRPr lang="en-US" altLang="ja-JP" dirty="0" smtClean="0"/>
+          </a:p>
+          <a:p>
+            <a:pPr marL="0" indent="0">
+              <a:buNone/>
+            </a:pPr>
+            <a:r>
+              <a:rPr lang="ja-JP" altLang="en-US" dirty="0" smtClean="0"/>
+              <a:t>・宇宙食</a:t>
+            </a:r>
+            <a:endParaRPr lang="en-US" altLang="ja-JP" dirty="0" smtClean="0"/>
+          </a:p>
+          <a:p>
+            <a:pPr marL="0" indent="0">
+              <a:buNone/>
+            </a:pPr>
+            <a:r>
+              <a:rPr lang="ja-JP" altLang="en-US" dirty="0" smtClean="0"/>
+              <a:t>・</a:t>
+            </a:r>
+            <a:r>
+              <a:rPr lang="ja-JP" altLang="en-US" dirty="0"/>
+              <a:t>ナイロン製ロープ（</a:t>
+            </a:r>
+            <a:r>
+              <a:rPr lang="en-US" altLang="ja-JP" dirty="0"/>
+              <a:t>15</a:t>
+            </a:r>
+            <a:r>
+              <a:rPr lang="ja-JP" altLang="en-US" dirty="0"/>
+              <a:t>ｍ</a:t>
+            </a:r>
+            <a:r>
+              <a:rPr lang="ja-JP" altLang="en-US" dirty="0" smtClean="0"/>
+              <a:t>）</a:t>
+            </a:r>
+            <a:endParaRPr lang="en-US" altLang="ja-JP" dirty="0" smtClean="0"/>
+          </a:p>
+          <a:p>
+            <a:pPr marL="0" indent="0">
+              <a:buNone/>
+            </a:pPr>
+            <a:r>
+              <a:rPr lang="ja-JP" altLang="en-US" dirty="0" smtClean="0"/>
+              <a:t>・</a:t>
+            </a:r>
+            <a:r>
+              <a:rPr lang="ja-JP" altLang="en-US" dirty="0"/>
+              <a:t>落下傘の布（パラシュート</a:t>
+            </a:r>
+            <a:r>
+              <a:rPr lang="ja-JP" altLang="en-US" dirty="0" smtClean="0"/>
+              <a:t>）</a:t>
+            </a:r>
+            <a:endParaRPr lang="en-US" altLang="ja-JP" dirty="0" smtClean="0"/>
+          </a:p>
+          <a:p>
+            <a:pPr marL="0" indent="0">
+              <a:buNone/>
+            </a:pPr>
+            <a:r>
+              <a:rPr lang="ja-JP" altLang="en-US" dirty="0" smtClean="0"/>
+              <a:t>・</a:t>
+            </a:r>
+            <a:r>
+              <a:rPr lang="ja-JP" altLang="en-US" dirty="0"/>
+              <a:t>ソーラー発電の携帯用</a:t>
+            </a:r>
+            <a:r>
+              <a:rPr lang="ja-JP" altLang="en-US" dirty="0" smtClean="0"/>
+              <a:t>暖房器</a:t>
+            </a:r>
+            <a:endParaRPr lang="en-US" altLang="ja-JP" dirty="0" smtClean="0"/>
+          </a:p>
+          <a:p>
+            <a:pPr marL="0" indent="0">
+              <a:buNone/>
+            </a:pPr>
+            <a:r>
+              <a:rPr lang="ja-JP" altLang="en-US" dirty="0" smtClean="0"/>
+              <a:t>・</a:t>
+            </a:r>
+            <a:r>
+              <a:rPr lang="en-US" altLang="ja-JP" dirty="0"/>
+              <a:t>45</a:t>
+            </a:r>
+            <a:r>
+              <a:rPr lang="ja-JP" altLang="en-US" dirty="0"/>
+              <a:t>口径ピストル（２丁</a:t>
+            </a:r>
+            <a:r>
+              <a:rPr lang="ja-JP" altLang="en-US" dirty="0" smtClean="0"/>
+              <a:t>）</a:t>
+            </a:r>
+            <a:endParaRPr lang="en-US" altLang="ja-JP" dirty="0" smtClean="0"/>
+          </a:p>
+          <a:p>
+            <a:pPr marL="0" indent="0">
+              <a:buNone/>
+            </a:pPr>
+            <a:r>
+              <a:rPr lang="ja-JP" altLang="en-US" dirty="0" smtClean="0"/>
+              <a:t>・</a:t>
+            </a:r>
+            <a:r>
+              <a:rPr lang="ja-JP" altLang="en-US" dirty="0"/>
+              <a:t>粉ミルク（１箱</a:t>
+            </a:r>
+            <a:r>
+              <a:rPr lang="ja-JP" altLang="en-US" dirty="0" smtClean="0"/>
+              <a:t>）</a:t>
+            </a:r>
+            <a:endParaRPr lang="en-US" altLang="ja-JP" dirty="0" smtClean="0"/>
+          </a:p>
+          <a:p>
+            <a:pPr marL="0" indent="0">
+              <a:buNone/>
+            </a:pPr>
+            <a:r>
+              <a:rPr lang="ja-JP" altLang="en-US" dirty="0" smtClean="0"/>
+              <a:t>・</a:t>
+            </a:r>
+            <a:r>
+              <a:rPr lang="ja-JP" altLang="en-US" dirty="0"/>
+              <a:t>酸素ボンベ</a:t>
+            </a:r>
+            <a:r>
+              <a:rPr lang="en-US" altLang="ja-JP" dirty="0"/>
+              <a:t>45kg</a:t>
+            </a:r>
+            <a:r>
+              <a:rPr lang="ja-JP" altLang="en-US" dirty="0"/>
+              <a:t>（２本</a:t>
+            </a:r>
+            <a:r>
+              <a:rPr lang="ja-JP" altLang="en-US" dirty="0" smtClean="0"/>
+              <a:t>）</a:t>
+            </a:r>
+            <a:endParaRPr lang="en-US" altLang="ja-JP" spc="600" dirty="0"/>
+          </a:p>
+        </p:txBody>
+      </p:sp>
+      <p:sp>
+        <p:nvSpPr>
+          <p:cNvPr id="8" name="コンテンツ プレースホルダー 2"/>
+          <p:cNvSpPr txBox="1">
+            <a:spLocks/>
+          </p:cNvSpPr>
+          <p:nvPr/>
+        </p:nvSpPr>
+        <p:spPr>
+          <a:xfrm>
+            <a:off x="6052456" y="2010154"/>
+            <a:ext cx="5301344" cy="4673637"/>
+          </a:xfrm>
+          <a:prstGeom prst="rect">
+            <a:avLst/>
+          </a:prstGeom>
+        </p:spPr>
+        <p:txBody>
+          <a:bodyPr vert="horz" lIns="91440" tIns="45720" rIns="91440" bIns="45720" rtlCol="0">
+            <a:noAutofit/>
+          </a:bodyPr>
+          <a:lstStyle>
+            <a:lvl1pPr marL="228600" indent="-228600" algn="l" defTabSz="914400" rtl="0" eaLnBrk="1" latinLnBrk="0" hangingPunct="1">
+              <a:lnSpc>
+                <a:spcPct val="90000"/>
+              </a:lnSpc>
+              <a:spcBef>
+                <a:spcPts val="1000"/>
+              </a:spcBef>
+              <a:buFont typeface="Arial"/>
+              <a:buChar char="•"/>
+              <a:defRPr kumimoji="1" sz="2800" b="1" i="0" kern="1200">
+                <a:solidFill>
+                  <a:schemeClr val="bg1"/>
+                </a:solidFill>
+                <a:latin typeface="Yu Gothic" charset="-128"/>
+                <a:ea typeface="Yu Gothic" charset="-128"/>
+                <a:cs typeface="Yu Gothic" charset="-128"/>
+              </a:defRPr>
+            </a:lvl1pPr>
+            <a:lvl2pPr marL="685800" indent="-228600" algn="l" defTabSz="914400" rtl="0" eaLnBrk="1" latinLnBrk="0" hangingPunct="1">
+              <a:lnSpc>
+                <a:spcPct val="90000"/>
+              </a:lnSpc>
+              <a:spcBef>
+                <a:spcPts val="500"/>
+              </a:spcBef>
+              <a:buFont typeface="Arial"/>
+              <a:buChar char="•"/>
+              <a:defRPr kumimoji="1" sz="2400" b="1" i="0" kern="1200">
+                <a:solidFill>
+                  <a:schemeClr val="bg1"/>
+                </a:solidFill>
+                <a:latin typeface="Yu Gothic" charset="-128"/>
+                <a:ea typeface="Yu Gothic" charset="-128"/>
+                <a:cs typeface="Yu Gothic" charset="-128"/>
+              </a:defRPr>
+            </a:lvl2pPr>
+            <a:lvl3pPr marL="1143000" indent="-228600" algn="l" defTabSz="914400" rtl="0" eaLnBrk="1" latinLnBrk="0" hangingPunct="1">
+              <a:lnSpc>
+                <a:spcPct val="90000"/>
+              </a:lnSpc>
+              <a:spcBef>
+                <a:spcPts val="500"/>
+              </a:spcBef>
+              <a:buFont typeface="Arial"/>
+              <a:buChar char="•"/>
+              <a:defRPr kumimoji="1" sz="2000" b="1" i="0" kern="1200">
+                <a:solidFill>
+                  <a:schemeClr val="bg1"/>
+                </a:solidFill>
+                <a:latin typeface="Yu Gothic" charset="-128"/>
+                <a:ea typeface="Yu Gothic" charset="-128"/>
+                <a:cs typeface="Yu Gothic" charset="-128"/>
+              </a:defRPr>
+            </a:lvl3pPr>
+            <a:lvl4pPr marL="1600200" indent="-228600" algn="l" defTabSz="914400" rtl="0" eaLnBrk="1" latinLnBrk="0" hangingPunct="1">
+              <a:lnSpc>
+                <a:spcPct val="90000"/>
+              </a:lnSpc>
+              <a:spcBef>
+                <a:spcPts val="500"/>
+              </a:spcBef>
+              <a:buFont typeface="Arial"/>
+              <a:buChar char="•"/>
+              <a:defRPr kumimoji="1" sz="1800" b="1" i="0" kern="1200">
+                <a:solidFill>
+                  <a:schemeClr val="bg1"/>
+                </a:solidFill>
+                <a:latin typeface="Yu Gothic" charset="-128"/>
+                <a:ea typeface="Yu Gothic" charset="-128"/>
+                <a:cs typeface="Yu Gothic" charset="-128"/>
+              </a:defRPr>
+            </a:lvl4pPr>
+            <a:lvl5pPr marL="2057400" indent="-228600" algn="l" defTabSz="914400" rtl="0" eaLnBrk="1" latinLnBrk="0" hangingPunct="1">
+              <a:lnSpc>
+                <a:spcPct val="90000"/>
+              </a:lnSpc>
+              <a:spcBef>
+                <a:spcPts val="500"/>
+              </a:spcBef>
+              <a:buFont typeface="Arial"/>
+              <a:buChar char="•"/>
+              <a:defRPr kumimoji="1" sz="1800" b="1" i="0" kern="1200">
+                <a:solidFill>
+                  <a:schemeClr val="bg1"/>
+                </a:solidFill>
+                <a:latin typeface="Yu Gothic" charset="-128"/>
+                <a:ea typeface="Yu Gothic" charset="-128"/>
+                <a:cs typeface="Yu Gothic" charset="-128"/>
+              </a:defRPr>
+            </a:lvl5pPr>
+            <a:lvl6pPr marL="2514600" indent="-228600" algn="l" defTabSz="914400" rtl="0" eaLnBrk="1" latinLnBrk="0" hangingPunct="1">
+              <a:lnSpc>
+                <a:spcPct val="90000"/>
+              </a:lnSpc>
+              <a:spcBef>
+                <a:spcPts val="500"/>
+              </a:spcBef>
+              <a:buFont typeface="Arial"/>
+              <a:buChar char="•"/>
+              <a:defRPr kumimoji="1" sz="1800" kern="1200">
+                <a:solidFill>
+                  <a:schemeClr val="tx1"/>
+                </a:solidFill>
+                <a:latin typeface="+mn-lt"/>
+                <a:ea typeface="+mn-ea"/>
+                <a:cs typeface="+mn-cs"/>
+              </a:defRPr>
+            </a:lvl6pPr>
+            <a:lvl7pPr marL="2971800" indent="-228600" algn="l" defTabSz="914400" rtl="0" eaLnBrk="1" latinLnBrk="0" hangingPunct="1">
+              <a:lnSpc>
+                <a:spcPct val="90000"/>
+              </a:lnSpc>
+              <a:spcBef>
+                <a:spcPts val="500"/>
+              </a:spcBef>
+              <a:buFont typeface="Arial"/>
+              <a:buChar char="•"/>
+              <a:defRPr kumimoji="1" sz="1800" kern="1200">
+                <a:solidFill>
+                  <a:schemeClr val="tx1"/>
+                </a:solidFill>
+                <a:latin typeface="+mn-lt"/>
+                <a:ea typeface="+mn-ea"/>
+                <a:cs typeface="+mn-cs"/>
+              </a:defRPr>
+            </a:lvl7pPr>
+            <a:lvl8pPr marL="3429000" indent="-228600" algn="l" defTabSz="914400" rtl="0" eaLnBrk="1" latinLnBrk="0" hangingPunct="1">
+              <a:lnSpc>
+                <a:spcPct val="90000"/>
+              </a:lnSpc>
+              <a:spcBef>
+                <a:spcPts val="500"/>
+              </a:spcBef>
+              <a:buFont typeface="Arial"/>
+              <a:buChar char="•"/>
+              <a:defRPr kumimoji="1" sz="1800" kern="1200">
+                <a:solidFill>
+                  <a:schemeClr val="tx1"/>
+                </a:solidFill>
+                <a:latin typeface="+mn-lt"/>
+                <a:ea typeface="+mn-ea"/>
+                <a:cs typeface="+mn-cs"/>
+              </a:defRPr>
+            </a:lvl8pPr>
+            <a:lvl9pPr marL="3886200" indent="-228600" algn="l" defTabSz="914400" rtl="0" eaLnBrk="1" latinLnBrk="0" hangingPunct="1">
+              <a:lnSpc>
+                <a:spcPct val="90000"/>
+              </a:lnSpc>
+              <a:spcBef>
+                <a:spcPts val="500"/>
+              </a:spcBef>
+              <a:buFont typeface="Arial"/>
+              <a:buChar char="•"/>
+              <a:defRPr kumimoji="1" sz="1800" kern="1200">
+                <a:solidFill>
+                  <a:schemeClr val="tx1"/>
+                </a:solidFill>
+                <a:latin typeface="+mn-lt"/>
+                <a:ea typeface="+mn-ea"/>
+                <a:cs typeface="+mn-cs"/>
+              </a:defRPr>
+            </a:lvl9pPr>
+          </a:lstStyle>
+          <a:p>
+            <a:pPr marL="0" indent="0">
+              <a:buFont typeface="Arial"/>
+              <a:buNone/>
+            </a:pPr>
+            <a:r>
+              <a:rPr lang="ja-JP" altLang="en-US" dirty="0" smtClean="0"/>
+              <a:t>・月からみた星座表</a:t>
+            </a:r>
+            <a:endParaRPr lang="en-US" altLang="ja-JP" dirty="0"/>
+          </a:p>
+          <a:p>
+            <a:pPr marL="0" indent="0">
+              <a:buFont typeface="Arial"/>
+              <a:buNone/>
+            </a:pPr>
+            <a:r>
+              <a:rPr lang="ja-JP" altLang="en-US" dirty="0" smtClean="0"/>
+              <a:t>・救命いかだ（救命ボート）</a:t>
+            </a:r>
+            <a:endParaRPr lang="en-US" altLang="ja-JP" dirty="0" smtClean="0"/>
+          </a:p>
+          <a:p>
+            <a:pPr marL="0" indent="0">
+              <a:buFont typeface="Arial"/>
+              <a:buNone/>
+            </a:pPr>
+            <a:r>
+              <a:rPr lang="ja-JP" altLang="en-US" dirty="0" smtClean="0"/>
+              <a:t>・磁石コンパス</a:t>
+            </a:r>
+            <a:endParaRPr lang="en-US" altLang="ja-JP" dirty="0" smtClean="0"/>
+          </a:p>
+          <a:p>
+            <a:pPr marL="0" indent="0">
+              <a:buFont typeface="Arial"/>
+              <a:buNone/>
+            </a:pPr>
+            <a:r>
+              <a:rPr lang="ja-JP" altLang="en-US" dirty="0" smtClean="0"/>
+              <a:t>・水（</a:t>
+            </a:r>
+            <a:r>
+              <a:rPr lang="en-US" altLang="ja-JP" dirty="0" smtClean="0"/>
+              <a:t>19</a:t>
+            </a:r>
+            <a:r>
+              <a:rPr lang="ja-JP" altLang="en-US" dirty="0" smtClean="0"/>
+              <a:t>リットル）</a:t>
+            </a:r>
+            <a:endParaRPr lang="en-US" altLang="ja-JP" dirty="0" smtClean="0"/>
+          </a:p>
+          <a:p>
+            <a:pPr marL="0" indent="0">
+              <a:buFont typeface="Arial"/>
+              <a:buNone/>
+            </a:pPr>
+            <a:r>
+              <a:rPr lang="ja-JP" altLang="en-US" dirty="0" smtClean="0"/>
+              <a:t>・信号用照明弾</a:t>
+            </a:r>
+            <a:endParaRPr lang="en-US" altLang="ja-JP" dirty="0" smtClean="0"/>
+          </a:p>
+          <a:p>
+            <a:pPr marL="0" indent="0">
+              <a:buFont typeface="Arial"/>
+              <a:buNone/>
+            </a:pPr>
+            <a:r>
+              <a:rPr lang="ja-JP" altLang="en-US" dirty="0" smtClean="0"/>
+              <a:t>・注射器入りの救急箱</a:t>
+            </a:r>
+            <a:endParaRPr lang="en-US" altLang="ja-JP" dirty="0" smtClean="0"/>
+          </a:p>
+          <a:p>
+            <a:pPr marL="0" indent="0">
+              <a:buFont typeface="Arial"/>
+              <a:buNone/>
+            </a:pPr>
+            <a:r>
+              <a:rPr lang="ja-JP" altLang="en-US" dirty="0" smtClean="0"/>
+              <a:t>・ソーラー発電式ＦＭ送受信機</a:t>
+            </a:r>
+            <a:endParaRPr lang="en-US" altLang="ja-JP" spc="600" dirty="0"/>
+          </a:p>
+        </p:txBody>
+      </p:sp>
+    </p:spTree>
+    <p:extLst>
+      <p:ext uri="{BB962C8B-B14F-4D97-AF65-F5344CB8AC3E}">
+        <p14:creationId xmlns:p14="http://schemas.microsoft.com/office/powerpoint/2010/main" val="3039346656"/>
+      </p:ext>
+    </p:extLst>
+  </p:cSld>
+  <p:clrMapOvr>
+    <a:masterClrMapping/>
+  </p:clrMapOvr>
+  <p:timing>
+    <p:tnLst>
+      <p:par>
+        <p:cTn id="1" dur="indefinite" restart="never" nodeType="tmRoot"/>
+      </p:par>
+    </p:tnLst>
+  </p:timing>
+</p:sld>
+</file>
+
+<file path=ppt/slides/slide13.xml><?xml version="1.0" encoding="utf-8"?>
+<p:sld xmlns:a="http://schemas.openxmlformats.org/drawingml/2006/main" xmlns:r="http://schemas.openxmlformats.org/officeDocument/2006/relationships" xmlns:p="http://schemas.openxmlformats.org/presentationml/2006/main">
+  <p:cSld>
+    <p:spTree>
+      <p:nvGrpSpPr>
+        <p:cNvPr id="1" name=""/>
+        <p:cNvGrpSpPr/>
+        <p:nvPr/>
+      </p:nvGrpSpPr>
+      <p:grpSpPr>
+        <a:xfrm>
+          <a:off x="0" y="0"/>
+          <a:ext cx="0" cy="0"/>
+          <a:chOff x="0" y="0"/>
+          <a:chExt cx="0" cy="0"/>
+        </a:xfrm>
+      </p:grpSpPr>
+      <p:pic>
+        <p:nvPicPr>
+          <p:cNvPr id="6" name="図 5"/>
+          <p:cNvPicPr>
+            <a:picLocks noChangeAspect="1"/>
+          </p:cNvPicPr>
+          <p:nvPr/>
+        </p:nvPicPr>
+        <p:blipFill>
+          <a:blip r:embed="rId2">
+            <a:extLst>
+              <a:ext uri="{28A0092B-C50C-407E-A947-70E740481C1C}">
+                <a14:useLocalDpi xmlns:a14="http://schemas.microsoft.com/office/drawing/2010/main" val="0"/>
+              </a:ext>
+            </a:extLst>
+          </a:blip>
+          <a:stretch>
+            <a:fillRect/>
+          </a:stretch>
+        </p:blipFill>
+        <p:spPr>
+          <a:xfrm>
+            <a:off x="0" y="-1567543"/>
+            <a:ext cx="12192000" cy="9178834"/>
+          </a:xfrm>
+          <a:prstGeom prst="rect">
+            <a:avLst/>
+          </a:prstGeom>
+        </p:spPr>
+      </p:pic>
+      <p:sp>
+        <p:nvSpPr>
+          <p:cNvPr id="7" name="正方形/長方形 6"/>
+          <p:cNvSpPr/>
+          <p:nvPr/>
+        </p:nvSpPr>
+        <p:spPr>
+          <a:xfrm>
+            <a:off x="-333829" y="-130628"/>
+            <a:ext cx="13222515" cy="8011886"/>
+          </a:xfrm>
+          <a:prstGeom prst="rect">
+            <a:avLst/>
+          </a:prstGeom>
+          <a:solidFill>
+            <a:schemeClr val="tx1">
+              <a:alpha val="70000"/>
+            </a:schemeClr>
+          </a:solidFill>
+        </p:spPr>
+        <p:style>
+          <a:lnRef idx="2">
+            <a:schemeClr val="accent1">
+              <a:shade val="50000"/>
+            </a:schemeClr>
+          </a:lnRef>
+          <a:fillRef idx="1">
+            <a:schemeClr val="accent1"/>
+          </a:fillRef>
+          <a:effectRef idx="0">
+            <a:schemeClr val="accent1"/>
+          </a:effectRef>
+          <a:fontRef idx="minor">
+            <a:schemeClr val="lt1"/>
+          </a:fontRef>
+        </p:style>
+        <p:txBody>
+          <a:bodyPr rtlCol="0" anchor="ctr"/>
+          <a:lstStyle/>
+          <a:p>
+            <a:pPr algn="ctr"/>
+            <a:endParaRPr kumimoji="1" lang="ja-JP" altLang="en-US"/>
+          </a:p>
+        </p:txBody>
+      </p:sp>
+      <p:sp>
+        <p:nvSpPr>
+          <p:cNvPr id="2" name="タイトル 1"/>
+          <p:cNvSpPr>
+            <a:spLocks noGrp="1"/>
+          </p:cNvSpPr>
+          <p:nvPr>
+            <p:ph type="title"/>
+          </p:nvPr>
+        </p:nvSpPr>
+        <p:spPr>
+          <a:xfrm>
+            <a:off x="838200" y="219985"/>
+            <a:ext cx="10515600" cy="1325563"/>
+          </a:xfrm>
+        </p:spPr>
+        <p:txBody>
+          <a:bodyPr>
+            <a:normAutofit/>
+          </a:bodyPr>
+          <a:lstStyle/>
+          <a:p>
+            <a:r>
+              <a:rPr lang="ja-JP" altLang="en-US" sz="5400" spc="600" dirty="0" smtClean="0"/>
+              <a:t>模範解答</a:t>
+            </a:r>
+            <a:endParaRPr lang="ja-JP" altLang="en-US" sz="5400" spc="600" dirty="0"/>
+          </a:p>
+        </p:txBody>
+      </p:sp>
+      <p:sp>
+        <p:nvSpPr>
+          <p:cNvPr id="3" name="コンテンツ プレースホルダー 2"/>
+          <p:cNvSpPr>
+            <a:spLocks noGrp="1"/>
+          </p:cNvSpPr>
+          <p:nvPr>
+            <p:ph idx="1"/>
+          </p:nvPr>
+        </p:nvSpPr>
+        <p:spPr>
+          <a:xfrm>
+            <a:off x="838200" y="1193667"/>
+            <a:ext cx="10657114" cy="5693361"/>
+          </a:xfrm>
+        </p:spPr>
+        <p:txBody>
+          <a:bodyPr>
+            <a:noAutofit/>
+          </a:bodyPr>
+          <a:lstStyle/>
+          <a:p>
+            <a:pPr marL="0" indent="0">
+              <a:buNone/>
+            </a:pPr>
+            <a:r>
+              <a:rPr lang="en-US" altLang="ja-JP" sz="1800" dirty="0"/>
+              <a:t>1</a:t>
+            </a:r>
+            <a:r>
+              <a:rPr lang="ja-JP" altLang="en-US" sz="1800" dirty="0"/>
+              <a:t>　</a:t>
+            </a:r>
+            <a:r>
+              <a:rPr lang="ja-JP" altLang="en-US" sz="1800" dirty="0" smtClean="0"/>
+              <a:t>酸素ボンベ</a:t>
+            </a:r>
+            <a:r>
+              <a:rPr lang="en-US" altLang="ja-JP" sz="1800" dirty="0" smtClean="0"/>
+              <a:t>45kg</a:t>
+            </a:r>
+            <a:r>
+              <a:rPr lang="ja-JP" altLang="en-US" sz="1800" dirty="0" smtClean="0"/>
+              <a:t>（</a:t>
+            </a:r>
+            <a:r>
+              <a:rPr lang="en-US" altLang="ja-JP" sz="1800" dirty="0" smtClean="0"/>
+              <a:t>2</a:t>
+            </a:r>
+            <a:r>
+              <a:rPr lang="ja-JP" altLang="en-US" sz="1800" dirty="0" smtClean="0"/>
+              <a:t>本）・</a:t>
+            </a:r>
+            <a:r>
+              <a:rPr lang="ja-JP" altLang="en-US" sz="1800" dirty="0"/>
+              <a:t>・・生存に最も必要な用品で</a:t>
+            </a:r>
+            <a:r>
+              <a:rPr lang="ja-JP" altLang="en-US" sz="1800" dirty="0" smtClean="0"/>
+              <a:t>ある</a:t>
+            </a:r>
+            <a:endParaRPr lang="en-US" altLang="ja-JP" sz="1800" dirty="0" smtClean="0"/>
+          </a:p>
+          <a:p>
+            <a:pPr marL="0" indent="0">
+              <a:buNone/>
+            </a:pPr>
+            <a:r>
+              <a:rPr lang="en-US" altLang="ja-JP" sz="1800" dirty="0" smtClean="0"/>
+              <a:t>2</a:t>
+            </a:r>
+            <a:r>
+              <a:rPr lang="ja-JP" altLang="en-US" sz="1800" dirty="0"/>
+              <a:t>　</a:t>
+            </a:r>
+            <a:r>
+              <a:rPr lang="ja-JP" altLang="en-US" sz="1800" dirty="0" smtClean="0"/>
+              <a:t>水（</a:t>
+            </a:r>
+            <a:r>
+              <a:rPr lang="en-US" altLang="ja-JP" sz="1800" dirty="0"/>
+              <a:t>19</a:t>
+            </a:r>
+            <a:r>
+              <a:rPr lang="ja-JP" altLang="en-US" sz="1800" dirty="0"/>
+              <a:t>リットル）・・・脱水症状の水分補給に</a:t>
+            </a:r>
+            <a:r>
+              <a:rPr lang="ja-JP" altLang="en-US" sz="1800" dirty="0" smtClean="0"/>
+              <a:t>役立つ</a:t>
+            </a:r>
+            <a:endParaRPr lang="en-US" altLang="ja-JP" sz="1800" dirty="0" smtClean="0"/>
+          </a:p>
+          <a:p>
+            <a:pPr marL="0" indent="0">
+              <a:buNone/>
+            </a:pPr>
+            <a:r>
+              <a:rPr lang="en-US" altLang="ja-JP" sz="1800" dirty="0" smtClean="0"/>
+              <a:t>3</a:t>
+            </a:r>
+            <a:r>
+              <a:rPr lang="ja-JP" altLang="en-US" sz="1800" dirty="0"/>
+              <a:t>　</a:t>
+            </a:r>
+            <a:r>
+              <a:rPr lang="ja-JP" altLang="en-US" sz="1800" dirty="0" smtClean="0"/>
+              <a:t>月からみた星座図</a:t>
+            </a:r>
+            <a:r>
+              <a:rPr lang="ja-JP" altLang="en-US" sz="1800" dirty="0"/>
+              <a:t>・・・道の方向性を決めるための主な</a:t>
+            </a:r>
+            <a:r>
+              <a:rPr lang="ja-JP" altLang="en-US" sz="1800" dirty="0" smtClean="0"/>
+              <a:t>手段</a:t>
+            </a:r>
+            <a:endParaRPr lang="en-US" altLang="ja-JP" sz="1800" dirty="0"/>
+          </a:p>
+          <a:p>
+            <a:pPr marL="0" indent="0">
+              <a:buNone/>
+            </a:pPr>
+            <a:r>
+              <a:rPr lang="en-US" altLang="ja-JP" sz="1800" dirty="0" smtClean="0"/>
+              <a:t>4</a:t>
+            </a:r>
+            <a:r>
+              <a:rPr lang="ja-JP" altLang="en-US" sz="1800" dirty="0"/>
+              <a:t>　</a:t>
+            </a:r>
+            <a:r>
+              <a:rPr lang="ja-JP" altLang="en-US" sz="1800" dirty="0"/>
+              <a:t>宇宙食</a:t>
+            </a:r>
+            <a:r>
+              <a:rPr lang="ja-JP" altLang="en-US" sz="1800" dirty="0" smtClean="0"/>
+              <a:t>・</a:t>
+            </a:r>
+            <a:r>
+              <a:rPr lang="ja-JP" altLang="en-US" sz="1800" dirty="0"/>
+              <a:t>・・体内エネルギー補給の良い手段で</a:t>
+            </a:r>
+            <a:r>
+              <a:rPr lang="ja-JP" altLang="en-US" sz="1800" dirty="0" smtClean="0"/>
+              <a:t>ある</a:t>
+            </a:r>
+            <a:endParaRPr lang="en-US" altLang="ja-JP" sz="1800" dirty="0"/>
+          </a:p>
+          <a:p>
+            <a:pPr marL="0" indent="0">
+              <a:buNone/>
+            </a:pPr>
+            <a:r>
+              <a:rPr lang="en-US" altLang="ja-JP" sz="1800" dirty="0" smtClean="0"/>
+              <a:t>5</a:t>
+            </a:r>
+            <a:r>
+              <a:rPr lang="ja-JP" altLang="en-US" sz="1800" dirty="0"/>
+              <a:t>　</a:t>
+            </a:r>
+            <a:r>
+              <a:rPr lang="ja-JP" altLang="en-US" sz="1800" dirty="0" smtClean="0"/>
+              <a:t>ソーラー発電式</a:t>
+            </a:r>
+            <a:r>
+              <a:rPr lang="en-US" altLang="ja-JP" sz="1800" dirty="0" smtClean="0"/>
+              <a:t>FM</a:t>
+            </a:r>
+            <a:r>
+              <a:rPr lang="ja-JP" altLang="en-US" sz="1800" dirty="0" smtClean="0"/>
+              <a:t>送受信機</a:t>
+            </a:r>
+            <a:r>
+              <a:rPr lang="ja-JP" altLang="en-US" sz="1800" dirty="0"/>
+              <a:t>・・・母船との連絡のため。しかし近距離しか</a:t>
+            </a:r>
+            <a:r>
+              <a:rPr lang="ja-JP" altLang="en-US" sz="1800" dirty="0" smtClean="0"/>
+              <a:t>届かない</a:t>
+            </a:r>
+            <a:endParaRPr lang="en-US" altLang="ja-JP" sz="1800" dirty="0"/>
+          </a:p>
+          <a:p>
+            <a:pPr marL="0" indent="0">
+              <a:buNone/>
+            </a:pPr>
+            <a:r>
+              <a:rPr lang="en-US" altLang="ja-JP" sz="1800" dirty="0" smtClean="0"/>
+              <a:t>6</a:t>
+            </a:r>
+            <a:r>
+              <a:rPr lang="ja-JP" altLang="en-US" sz="1800" dirty="0"/>
+              <a:t>　</a:t>
+            </a:r>
+            <a:r>
+              <a:rPr lang="ja-JP" altLang="en-US" sz="1800" dirty="0" smtClean="0"/>
+              <a:t>ナイロン製ロープ（</a:t>
+            </a:r>
+            <a:r>
+              <a:rPr lang="en-US" altLang="ja-JP" sz="1800" dirty="0" smtClean="0"/>
+              <a:t>15m</a:t>
+            </a:r>
+            <a:r>
+              <a:rPr lang="ja-JP" altLang="en-US" sz="1800" dirty="0" smtClean="0"/>
+              <a:t>）・</a:t>
+            </a:r>
+            <a:r>
+              <a:rPr lang="ja-JP" altLang="en-US" sz="1800" dirty="0"/>
+              <a:t>・・がけの高さを測ったり、ケガ人を結びつける</a:t>
+            </a:r>
+            <a:r>
+              <a:rPr lang="ja-JP" altLang="en-US" sz="1800" dirty="0" smtClean="0"/>
+              <a:t>の</a:t>
+            </a:r>
+            <a:r>
+              <a:rPr lang="ja-JP" altLang="en-US" sz="1800" dirty="0"/>
+              <a:t>に</a:t>
+            </a:r>
+            <a:r>
+              <a:rPr lang="ja-JP" altLang="en-US" sz="1800" dirty="0" smtClean="0"/>
+              <a:t>有効</a:t>
+            </a:r>
+            <a:r>
+              <a:rPr lang="ja-JP" altLang="en-US" sz="1800" dirty="0"/>
+              <a:t> </a:t>
+            </a:r>
+            <a:endParaRPr lang="en-US" altLang="ja-JP" sz="1800" dirty="0" smtClean="0"/>
+          </a:p>
+          <a:p>
+            <a:pPr marL="0" indent="0">
+              <a:buNone/>
+            </a:pPr>
+            <a:r>
+              <a:rPr lang="en-US" altLang="ja-JP" sz="1800" dirty="0" smtClean="0"/>
+              <a:t>7</a:t>
+            </a:r>
+            <a:r>
+              <a:rPr lang="ja-JP" altLang="en-US" sz="1800" dirty="0"/>
+              <a:t>　</a:t>
+            </a:r>
+            <a:r>
+              <a:rPr lang="ja-JP" altLang="en-US" sz="1800" dirty="0" smtClean="0"/>
+              <a:t>注射器入りの救急箱</a:t>
+            </a:r>
+            <a:r>
+              <a:rPr lang="ja-JP" altLang="en-US" sz="1800" dirty="0"/>
+              <a:t>・・・ビタミン薬などの注射は、</a:t>
+            </a:r>
+            <a:r>
+              <a:rPr lang="en-US" altLang="ja-JP" sz="1800" dirty="0"/>
+              <a:t>NASA</a:t>
+            </a:r>
+            <a:r>
+              <a:rPr lang="ja-JP" altLang="en-US" sz="1800" dirty="0"/>
+              <a:t>の特殊スーツにある</a:t>
+            </a:r>
+            <a:r>
+              <a:rPr lang="ja-JP" altLang="en-US" sz="1800" dirty="0" smtClean="0"/>
+              <a:t>孔にフィット</a:t>
+            </a:r>
+            <a:endParaRPr lang="en-US" altLang="ja-JP" sz="1800" dirty="0" smtClean="0"/>
+          </a:p>
+          <a:p>
+            <a:pPr marL="0" indent="0">
+              <a:buNone/>
+            </a:pPr>
+            <a:r>
+              <a:rPr lang="en-US" altLang="ja-JP" sz="1800" dirty="0" smtClean="0"/>
+              <a:t>8</a:t>
+            </a:r>
+            <a:r>
+              <a:rPr lang="ja-JP" altLang="en-US" sz="1800" dirty="0"/>
+              <a:t>　</a:t>
+            </a:r>
+            <a:r>
+              <a:rPr lang="ja-JP" altLang="en-US" sz="1800" dirty="0" smtClean="0"/>
+              <a:t>落下傘の布（パラシュート）・</a:t>
+            </a:r>
+            <a:r>
+              <a:rPr lang="ja-JP" altLang="en-US" sz="1800" dirty="0"/>
+              <a:t>・・太陽光線から自分を守るのに</a:t>
+            </a:r>
+            <a:r>
+              <a:rPr lang="ja-JP" altLang="en-US" sz="1800" dirty="0" smtClean="0"/>
+              <a:t>役立つ</a:t>
+            </a:r>
+            <a:endParaRPr lang="en-US" altLang="ja-JP" sz="1800" dirty="0" smtClean="0"/>
+          </a:p>
+          <a:p>
+            <a:pPr marL="0" indent="0">
+              <a:buNone/>
+            </a:pPr>
+            <a:r>
+              <a:rPr lang="en-US" altLang="ja-JP" sz="1800" dirty="0" smtClean="0"/>
+              <a:t>9</a:t>
+            </a:r>
+            <a:r>
+              <a:rPr lang="ja-JP" altLang="en-US" sz="1800" dirty="0"/>
+              <a:t>　</a:t>
+            </a:r>
+            <a:r>
+              <a:rPr lang="ja-JP" altLang="en-US" sz="1800" dirty="0" smtClean="0"/>
+              <a:t>救命いかだ（救命ボート）・</a:t>
+            </a:r>
+            <a:r>
+              <a:rPr lang="ja-JP" altLang="en-US" sz="1800" dirty="0"/>
+              <a:t>・・軍のボートの中の二酸化炭素のボンベを前進するのに</a:t>
+            </a:r>
+            <a:r>
+              <a:rPr lang="ja-JP" altLang="en-US" sz="1800" dirty="0" smtClean="0"/>
+              <a:t>使える</a:t>
+            </a:r>
+            <a:r>
+              <a:rPr lang="ja-JP" altLang="en-US" sz="1800" dirty="0"/>
+              <a:t>か</a:t>
+            </a:r>
+            <a:r>
+              <a:rPr lang="ja-JP" altLang="en-US" sz="1800" dirty="0" smtClean="0"/>
+              <a:t>も</a:t>
+            </a:r>
+            <a:endParaRPr lang="en-US" altLang="ja-JP" sz="1800" dirty="0" smtClean="0"/>
+          </a:p>
+          <a:p>
+            <a:pPr marL="0" indent="0">
+              <a:buNone/>
+            </a:pPr>
+            <a:r>
+              <a:rPr lang="en-US" altLang="ja-JP" sz="1800" dirty="0" smtClean="0"/>
+              <a:t>10</a:t>
+            </a:r>
+            <a:r>
+              <a:rPr lang="ja-JP" altLang="en-US" sz="1800" dirty="0"/>
+              <a:t>　</a:t>
+            </a:r>
+            <a:r>
+              <a:rPr lang="ja-JP" altLang="en-US" sz="1800" dirty="0" smtClean="0"/>
+              <a:t>信号用照明弾</a:t>
+            </a:r>
+            <a:r>
+              <a:rPr lang="ja-JP" altLang="en-US" sz="1800" dirty="0"/>
+              <a:t>・・・母船を見つけたときに遭難信号を</a:t>
+            </a:r>
+            <a:r>
+              <a:rPr lang="ja-JP" altLang="en-US" sz="1800" dirty="0" smtClean="0"/>
+              <a:t>送れる</a:t>
+            </a:r>
+            <a:endParaRPr lang="en-US" altLang="ja-JP" sz="1800" dirty="0"/>
+          </a:p>
+          <a:p>
+            <a:pPr marL="0" indent="0">
+              <a:buNone/>
+            </a:pPr>
+            <a:r>
+              <a:rPr lang="en-US" altLang="ja-JP" sz="1800" dirty="0" smtClean="0"/>
+              <a:t>11</a:t>
+            </a:r>
+            <a:r>
+              <a:rPr lang="ja-JP" altLang="en-US" sz="1800" dirty="0"/>
+              <a:t>　</a:t>
+            </a:r>
+            <a:r>
+              <a:rPr lang="en-US" altLang="ja-JP" sz="1800" dirty="0" smtClean="0"/>
+              <a:t>45</a:t>
+            </a:r>
+            <a:r>
+              <a:rPr lang="ja-JP" altLang="en-US" sz="1800" dirty="0"/>
+              <a:t>口径の</a:t>
+            </a:r>
+            <a:r>
+              <a:rPr lang="ja-JP" altLang="en-US" sz="1800" dirty="0" smtClean="0"/>
+              <a:t>ピストル（</a:t>
+            </a:r>
+            <a:r>
+              <a:rPr lang="en-US" altLang="ja-JP" sz="1800" dirty="0" smtClean="0"/>
+              <a:t>2</a:t>
+            </a:r>
+            <a:r>
+              <a:rPr lang="ja-JP" altLang="en-US" sz="1800" dirty="0" smtClean="0"/>
+              <a:t>丁）・</a:t>
+            </a:r>
+            <a:r>
+              <a:rPr lang="ja-JP" altLang="en-US" sz="1800" dirty="0"/>
+              <a:t>・・前進するのに有効な手段となり得るかも</a:t>
+            </a:r>
+            <a:r>
+              <a:rPr lang="ja-JP" altLang="en-US" sz="1800" dirty="0" smtClean="0"/>
+              <a:t>しれない</a:t>
+            </a:r>
+            <a:endParaRPr lang="en-US" altLang="ja-JP" sz="1800" dirty="0" smtClean="0"/>
+          </a:p>
+          <a:p>
+            <a:pPr marL="0" indent="0">
+              <a:buNone/>
+            </a:pPr>
+            <a:r>
+              <a:rPr lang="en-US" altLang="ja-JP" sz="1800" dirty="0" smtClean="0"/>
+              <a:t>12</a:t>
+            </a:r>
+            <a:r>
+              <a:rPr lang="ja-JP" altLang="en-US" sz="1800" dirty="0"/>
+              <a:t>　</a:t>
+            </a:r>
+            <a:r>
+              <a:rPr lang="ja-JP" altLang="en-US" sz="1800" dirty="0" smtClean="0"/>
+              <a:t>粉ミルク（</a:t>
+            </a:r>
+            <a:r>
+              <a:rPr lang="en-US" altLang="ja-JP" sz="1800" dirty="0" smtClean="0"/>
+              <a:t>1</a:t>
+            </a:r>
+            <a:r>
+              <a:rPr lang="ja-JP" altLang="en-US" sz="1800" dirty="0"/>
+              <a:t>箱</a:t>
+            </a:r>
+            <a:r>
+              <a:rPr lang="ja-JP" altLang="en-US" sz="1800" dirty="0" smtClean="0"/>
+              <a:t>）・</a:t>
+            </a:r>
+            <a:r>
+              <a:rPr lang="ja-JP" altLang="en-US" sz="1800" dirty="0"/>
+              <a:t>・・濃縮された食べ物より</a:t>
+            </a:r>
+            <a:r>
+              <a:rPr lang="ja-JP" altLang="en-US" sz="1800" dirty="0" smtClean="0"/>
+              <a:t>かさばる</a:t>
+            </a:r>
+            <a:endParaRPr lang="en-US" altLang="ja-JP" sz="1800" dirty="0"/>
+          </a:p>
+          <a:p>
+            <a:pPr marL="0" indent="0">
+              <a:buNone/>
+            </a:pPr>
+            <a:r>
+              <a:rPr lang="en-US" altLang="ja-JP" sz="1800" dirty="0" smtClean="0"/>
+              <a:t>13</a:t>
+            </a:r>
+            <a:r>
+              <a:rPr lang="ja-JP" altLang="en-US" sz="1800" dirty="0"/>
+              <a:t>　</a:t>
+            </a:r>
+            <a:r>
+              <a:rPr lang="ja-JP" altLang="en-US" sz="1800" dirty="0" smtClean="0"/>
+              <a:t>ソーラー発電の</a:t>
+            </a:r>
+            <a:r>
+              <a:rPr lang="ja-JP" altLang="en-US" sz="1800" dirty="0"/>
+              <a:t>携帯用</a:t>
+            </a:r>
+            <a:r>
+              <a:rPr lang="ja-JP" altLang="en-US" sz="1800" dirty="0" smtClean="0"/>
+              <a:t>暖房器・</a:t>
+            </a:r>
+            <a:r>
+              <a:rPr lang="ja-JP" altLang="en-US" sz="1800" dirty="0"/>
+              <a:t>・・日陰でない限り必要</a:t>
+            </a:r>
+            <a:r>
+              <a:rPr lang="ja-JP" altLang="en-US" sz="1800" dirty="0" smtClean="0"/>
+              <a:t>ない</a:t>
+            </a:r>
+            <a:endParaRPr lang="en-US" altLang="ja-JP" sz="1800" dirty="0" smtClean="0"/>
+          </a:p>
+          <a:p>
+            <a:pPr marL="0" indent="0">
+              <a:buNone/>
+            </a:pPr>
+            <a:r>
+              <a:rPr lang="en-US" altLang="ja-JP" sz="1800" dirty="0" smtClean="0"/>
+              <a:t>14</a:t>
+            </a:r>
+            <a:r>
+              <a:rPr lang="ja-JP" altLang="en-US" sz="1800" dirty="0"/>
+              <a:t>　</a:t>
+            </a:r>
+            <a:r>
+              <a:rPr lang="ja-JP" altLang="en-US" sz="1800" dirty="0" smtClean="0"/>
+              <a:t>磁石コンパス・</a:t>
+            </a:r>
+            <a:r>
+              <a:rPr lang="ja-JP" altLang="en-US" sz="1800" dirty="0"/>
+              <a:t>・・月面では磁場は極地化していないので、まったく</a:t>
+            </a:r>
+            <a:r>
+              <a:rPr lang="ja-JP" altLang="en-US" sz="1800" dirty="0" smtClean="0"/>
+              <a:t>不要</a:t>
+            </a:r>
+            <a:endParaRPr lang="en-US" altLang="ja-JP" sz="1800" dirty="0"/>
+          </a:p>
+          <a:p>
+            <a:pPr marL="0" indent="0">
+              <a:buNone/>
+            </a:pPr>
+            <a:r>
+              <a:rPr lang="en-US" altLang="ja-JP" sz="1800" dirty="0" smtClean="0"/>
+              <a:t>15</a:t>
+            </a:r>
+            <a:r>
+              <a:rPr lang="ja-JP" altLang="en-US" sz="1800" dirty="0"/>
+              <a:t>　</a:t>
+            </a:r>
+            <a:r>
+              <a:rPr lang="ja-JP" altLang="en-US" sz="1800" dirty="0" smtClean="0"/>
+              <a:t>マッチの入った箱・</a:t>
+            </a:r>
+            <a:r>
+              <a:rPr lang="ja-JP" altLang="en-US" sz="1800" dirty="0"/>
+              <a:t>・・火をつける酸素はないので、まったく価値は</a:t>
+            </a:r>
+            <a:r>
+              <a:rPr lang="ja-JP" altLang="en-US" sz="1800" dirty="0" smtClean="0"/>
+              <a:t>ない</a:t>
+            </a:r>
+            <a:endParaRPr lang="en-US" altLang="ja-JP" sz="1800" spc="600" dirty="0" smtClean="0"/>
+          </a:p>
+        </p:txBody>
+      </p:sp>
+    </p:spTree>
+    <p:extLst>
+      <p:ext uri="{BB962C8B-B14F-4D97-AF65-F5344CB8AC3E}">
+        <p14:creationId xmlns:p14="http://schemas.microsoft.com/office/powerpoint/2010/main" val="2897983466"/>
+      </p:ext>
+    </p:extLst>
+  </p:cSld>
+  <p:clrMapOvr>
+    <a:masterClrMapping/>
+  </p:clrMapOvr>
+  <p:timing>
+    <p:tnLst>
+      <p:par>
+        <p:cTn id="1" dur="indefinite" restart="never" nodeType="tmRoot"/>
+      </p:par>
+    </p:tnLst>
+  </p:timing>
+</p:sld>
+</file>
+
+<file path=ppt/slides/slide14.xml><?xml version="1.0" encoding="utf-8"?>
+<p:sld xmlns:a="http://schemas.openxmlformats.org/drawingml/2006/main" xmlns:r="http://schemas.openxmlformats.org/officeDocument/2006/relationships" xmlns:p="http://schemas.openxmlformats.org/presentationml/2006/main">
+  <p:cSld>
+    <p:spTree>
+      <p:nvGrpSpPr>
+        <p:cNvPr id="1" name=""/>
+        <p:cNvGrpSpPr/>
+        <p:nvPr/>
+      </p:nvGrpSpPr>
+      <p:grpSpPr>
+        <a:xfrm>
+          <a:off x="0" y="0"/>
+          <a:ext cx="0" cy="0"/>
+          <a:chOff x="0" y="0"/>
+          <a:chExt cx="0" cy="0"/>
+        </a:xfrm>
+      </p:grpSpPr>
+      <p:sp>
+        <p:nvSpPr>
+          <p:cNvPr id="2" name="タイトル 1"/>
+          <p:cNvSpPr>
+            <a:spLocks noGrp="1"/>
+          </p:cNvSpPr>
+          <p:nvPr>
+            <p:ph type="title"/>
+          </p:nvPr>
+        </p:nvSpPr>
+        <p:spPr/>
+        <p:txBody>
+          <a:bodyPr/>
+          <a:lstStyle/>
+          <a:p>
+            <a:r>
+              <a:rPr kumimoji="1" lang="ja-JP" altLang="en-US" dirty="0" smtClean="0">
+                <a:solidFill>
+                  <a:schemeClr val="bg1"/>
+                </a:solidFill>
+              </a:rPr>
+              <a:t>本日のタイムテーブル</a:t>
+            </a:r>
+            <a:endParaRPr kumimoji="1" lang="ja-JP" altLang="en-US" dirty="0">
+              <a:solidFill>
+                <a:schemeClr val="bg1"/>
+              </a:solidFill>
+            </a:endParaRPr>
+          </a:p>
+        </p:txBody>
+      </p:sp>
+      <p:graphicFrame>
+        <p:nvGraphicFramePr>
+          <p:cNvPr id="6" name="表 5"/>
+          <p:cNvGraphicFramePr>
+            <a:graphicFrameLocks noGrp="1"/>
+          </p:cNvGraphicFramePr>
+          <p:nvPr>
+            <p:extLst>
+              <p:ext uri="{D42A27DB-BD31-4B8C-83A1-F6EECF244321}">
+                <p14:modId xmlns:p14="http://schemas.microsoft.com/office/powerpoint/2010/main" val="713741067"/>
+              </p:ext>
+            </p:extLst>
+          </p:nvPr>
+        </p:nvGraphicFramePr>
+        <p:xfrm>
+          <a:off x="1435100" y="1690688"/>
+          <a:ext cx="9321800" cy="4281222"/>
+        </p:xfrm>
+        <a:graphic>
+          <a:graphicData uri="http://schemas.openxmlformats.org/drawingml/2006/table">
+            <a:tbl>
+              <a:tblPr firstRow="1" bandRow="1">
+                <a:tableStyleId>{9DCAF9ED-07DC-4A11-8D7F-57B35C25682E}</a:tableStyleId>
+              </a:tblPr>
+              <a:tblGrid>
+                <a:gridCol w="4660900"/>
+                <a:gridCol w="4660900"/>
+              </a:tblGrid>
+              <a:tr h="606857">
+                <a:tc>
+                  <a:txBody>
+                    <a:bodyPr/>
+                    <a:lstStyle/>
+                    <a:p>
+                      <a:pPr algn="ctr"/>
+                      <a:r>
+                        <a:rPr kumimoji="1" lang="ja-JP" altLang="en-US" sz="3600" b="0" i="0" spc="600" dirty="0" smtClean="0">
+                          <a:latin typeface="Yu Gothic Medium" charset="-128"/>
+                          <a:ea typeface="Yu Gothic Medium" charset="-128"/>
+                          <a:cs typeface="Yu Gothic Medium" charset="-128"/>
+                        </a:rPr>
+                        <a:t>時間</a:t>
+                      </a:r>
+                      <a:endParaRPr kumimoji="1" lang="ja-JP" altLang="en-US" sz="3600" b="0" i="0" spc="600" dirty="0">
+                        <a:latin typeface="Yu Gothic Medium" charset="-128"/>
+                        <a:ea typeface="Yu Gothic Medium" charset="-128"/>
+                        <a:cs typeface="Yu Gothic Medium" charset="-128"/>
+                      </a:endParaRPr>
+                    </a:p>
+                  </a:txBody>
+                  <a:tcPr>
+                    <a:solidFill>
+                      <a:schemeClr val="accent2"/>
+                    </a:solidFill>
+                  </a:tcPr>
+                </a:tc>
+                <a:tc>
+                  <a:txBody>
+                    <a:bodyPr/>
+                    <a:lstStyle/>
+                    <a:p>
+                      <a:pPr algn="ctr"/>
+                      <a:r>
+                        <a:rPr kumimoji="1" lang="ja-JP" altLang="en-US" sz="3600" b="0" i="0" spc="600" dirty="0" smtClean="0">
+                          <a:latin typeface="Yu Gothic Medium" charset="-128"/>
+                          <a:ea typeface="Yu Gothic Medium" charset="-128"/>
+                          <a:cs typeface="Yu Gothic Medium" charset="-128"/>
+                        </a:rPr>
+                        <a:t>やること</a:t>
+                      </a:r>
+                      <a:endParaRPr kumimoji="1" lang="ja-JP" altLang="en-US" sz="3600" b="0" i="0" spc="600" dirty="0">
+                        <a:latin typeface="Yu Gothic Medium" charset="-128"/>
+                        <a:ea typeface="Yu Gothic Medium" charset="-128"/>
+                        <a:cs typeface="Yu Gothic Medium" charset="-128"/>
+                      </a:endParaRPr>
+                    </a:p>
+                  </a:txBody>
+                  <a:tcPr>
+                    <a:solidFill>
+                      <a:schemeClr val="accent2"/>
+                    </a:solidFill>
+                  </a:tcPr>
+                </a:tc>
+              </a:tr>
+              <a:tr h="606857">
+                <a:tc>
+                  <a:txBody>
+                    <a:bodyPr/>
+                    <a:lstStyle/>
+                    <a:p>
+                      <a:pPr algn="ctr"/>
+                      <a:r>
+                        <a:rPr kumimoji="1" lang="en-US" altLang="ja-JP" sz="3200" b="0" i="0" spc="300" dirty="0" smtClean="0">
+                          <a:solidFill>
+                            <a:schemeClr val="tx1">
+                              <a:lumMod val="75000"/>
+                              <a:lumOff val="25000"/>
+                            </a:schemeClr>
+                          </a:solidFill>
+                          <a:latin typeface="Yu Gothic Medium" charset="-128"/>
+                          <a:ea typeface="Yu Gothic Medium" charset="-128"/>
+                          <a:cs typeface="Yu Gothic Medium" charset="-128"/>
+                        </a:rPr>
+                        <a:t>  9:00</a:t>
+                      </a:r>
+                      <a:endParaRPr kumimoji="1" lang="ja-JP" altLang="en-US" sz="3200" b="0" i="0" spc="300" dirty="0">
+                        <a:solidFill>
+                          <a:schemeClr val="tx1">
+                            <a:lumMod val="75000"/>
+                            <a:lumOff val="25000"/>
+                          </a:schemeClr>
+                        </a:solidFill>
+                        <a:latin typeface="Yu Gothic Medium" charset="-128"/>
+                        <a:ea typeface="Yu Gothic Medium" charset="-128"/>
+                        <a:cs typeface="Yu Gothic Medium" charset="-128"/>
+                      </a:endParaRPr>
+                    </a:p>
+                  </a:txBody>
+                  <a:tcPr/>
+                </a:tc>
+                <a:tc>
+                  <a:txBody>
+                    <a:bodyPr/>
+                    <a:lstStyle/>
+                    <a:p>
+                      <a:r>
+                        <a:rPr kumimoji="1" lang="ja-JP" altLang="en-US" sz="3200" b="0" i="0" spc="300" dirty="0" smtClean="0">
+                          <a:solidFill>
+                            <a:schemeClr val="tx1">
+                              <a:lumMod val="75000"/>
+                              <a:lumOff val="25000"/>
+                            </a:schemeClr>
+                          </a:solidFill>
+                          <a:latin typeface="Yu Gothic Medium" charset="-128"/>
+                          <a:ea typeface="Yu Gothic Medium" charset="-128"/>
+                          <a:cs typeface="Yu Gothic Medium" charset="-128"/>
+                        </a:rPr>
+                        <a:t>集合・オープニング</a:t>
+                      </a:r>
+                      <a:endParaRPr kumimoji="1" lang="ja-JP" altLang="en-US" sz="3200" b="0" i="0" spc="300" dirty="0">
+                        <a:solidFill>
+                          <a:schemeClr val="tx1">
+                            <a:lumMod val="75000"/>
+                            <a:lumOff val="25000"/>
+                          </a:schemeClr>
+                        </a:solidFill>
+                        <a:latin typeface="Yu Gothic Medium" charset="-128"/>
+                        <a:ea typeface="Yu Gothic Medium" charset="-128"/>
+                        <a:cs typeface="Yu Gothic Medium" charset="-128"/>
+                      </a:endParaRPr>
+                    </a:p>
+                  </a:txBody>
+                  <a:tcPr/>
+                </a:tc>
+              </a:tr>
+              <a:tr h="606857">
+                <a:tc>
+                  <a:txBody>
+                    <a:bodyPr/>
+                    <a:lstStyle/>
+                    <a:p>
+                      <a:pPr algn="ctr"/>
+                      <a:r>
+                        <a:rPr kumimoji="1" lang="en-US" altLang="ja-JP" sz="3200" b="0" i="0" spc="300" dirty="0" smtClean="0">
+                          <a:solidFill>
+                            <a:schemeClr val="tx1">
+                              <a:lumMod val="75000"/>
+                              <a:lumOff val="25000"/>
+                            </a:schemeClr>
+                          </a:solidFill>
+                          <a:latin typeface="Yu Gothic Medium" charset="-128"/>
+                          <a:ea typeface="Yu Gothic Medium" charset="-128"/>
+                          <a:cs typeface="Yu Gothic Medium" charset="-128"/>
+                        </a:rPr>
+                        <a:t>10:30</a:t>
+                      </a:r>
+                      <a:endParaRPr kumimoji="1" lang="ja-JP" altLang="en-US" sz="3200" b="0" i="0" spc="300" dirty="0">
+                        <a:solidFill>
+                          <a:schemeClr val="tx1">
+                            <a:lumMod val="75000"/>
+                            <a:lumOff val="25000"/>
+                          </a:schemeClr>
+                        </a:solidFill>
+                        <a:latin typeface="Yu Gothic Medium" charset="-128"/>
+                        <a:ea typeface="Yu Gothic Medium" charset="-128"/>
+                        <a:cs typeface="Yu Gothic Medium" charset="-128"/>
+                      </a:endParaRPr>
+                    </a:p>
+                  </a:txBody>
+                  <a:tcPr/>
+                </a:tc>
+                <a:tc>
+                  <a:txBody>
+                    <a:bodyPr/>
+                    <a:lstStyle/>
+                    <a:p>
+                      <a:r>
+                        <a:rPr kumimoji="1" lang="ja-JP" altLang="en-US" sz="3200" b="0" i="0" spc="300" dirty="0" smtClean="0">
+                          <a:solidFill>
+                            <a:schemeClr val="tx1">
+                              <a:lumMod val="75000"/>
+                              <a:lumOff val="25000"/>
+                            </a:schemeClr>
+                          </a:solidFill>
+                          <a:latin typeface="Yu Gothic Medium" charset="-128"/>
+                          <a:ea typeface="Yu Gothic Medium" charset="-128"/>
+                          <a:cs typeface="Yu Gothic Medium" charset="-128"/>
+                        </a:rPr>
+                        <a:t>お題発表・開発開始</a:t>
+                      </a:r>
+                      <a:endParaRPr kumimoji="1" lang="ja-JP" altLang="en-US" sz="3200" b="0" i="0" spc="300" dirty="0">
+                        <a:solidFill>
+                          <a:schemeClr val="tx1">
+                            <a:lumMod val="75000"/>
+                            <a:lumOff val="25000"/>
+                          </a:schemeClr>
+                        </a:solidFill>
+                        <a:latin typeface="Yu Gothic Medium" charset="-128"/>
+                        <a:ea typeface="Yu Gothic Medium" charset="-128"/>
+                        <a:cs typeface="Yu Gothic Medium" charset="-128"/>
+                      </a:endParaRPr>
+                    </a:p>
+                  </a:txBody>
+                  <a:tcPr/>
+                </a:tc>
+              </a:tr>
+              <a:tr h="606857">
+                <a:tc>
+                  <a:txBody>
+                    <a:bodyPr/>
+                    <a:lstStyle/>
+                    <a:p>
+                      <a:pPr algn="ctr"/>
+                      <a:r>
+                        <a:rPr kumimoji="1" lang="en-US" altLang="ja-JP" sz="3200" b="0" i="0" spc="300" dirty="0" smtClean="0">
+                          <a:solidFill>
+                            <a:schemeClr val="tx1">
+                              <a:lumMod val="75000"/>
+                              <a:lumOff val="25000"/>
+                            </a:schemeClr>
+                          </a:solidFill>
+                          <a:latin typeface="Yu Gothic Medium" charset="-128"/>
+                          <a:ea typeface="Yu Gothic Medium" charset="-128"/>
+                          <a:cs typeface="Yu Gothic Medium" charset="-128"/>
+                        </a:rPr>
+                        <a:t>12:00</a:t>
+                      </a:r>
+                      <a:endParaRPr kumimoji="1" lang="ja-JP" altLang="en-US" sz="3200" b="0" i="0" spc="300" dirty="0">
+                        <a:solidFill>
+                          <a:schemeClr val="tx1">
+                            <a:lumMod val="75000"/>
+                            <a:lumOff val="25000"/>
+                          </a:schemeClr>
+                        </a:solidFill>
+                        <a:latin typeface="Yu Gothic Medium" charset="-128"/>
+                        <a:ea typeface="Yu Gothic Medium" charset="-128"/>
+                        <a:cs typeface="Yu Gothic Medium" charset="-128"/>
+                      </a:endParaRPr>
+                    </a:p>
+                  </a:txBody>
+                  <a:tcPr/>
+                </a:tc>
+                <a:tc>
+                  <a:txBody>
+                    <a:bodyPr/>
+                    <a:lstStyle/>
+                    <a:p>
+                      <a:r>
+                        <a:rPr kumimoji="1" lang="ja-JP" altLang="en-US" sz="3200" b="0" i="0" spc="300" dirty="0" smtClean="0">
+                          <a:solidFill>
+                            <a:schemeClr val="tx1">
+                              <a:lumMod val="75000"/>
+                              <a:lumOff val="25000"/>
+                            </a:schemeClr>
+                          </a:solidFill>
+                          <a:latin typeface="Yu Gothic Medium" charset="-128"/>
+                          <a:ea typeface="Yu Gothic Medium" charset="-128"/>
+                          <a:cs typeface="Yu Gothic Medium" charset="-128"/>
+                        </a:rPr>
+                        <a:t>お昼休み</a:t>
+                      </a:r>
+                      <a:endParaRPr kumimoji="1" lang="ja-JP" altLang="en-US" sz="3200" b="0" i="0" spc="300" dirty="0">
+                        <a:solidFill>
+                          <a:schemeClr val="tx1">
+                            <a:lumMod val="75000"/>
+                            <a:lumOff val="25000"/>
+                          </a:schemeClr>
+                        </a:solidFill>
+                        <a:latin typeface="Yu Gothic Medium" charset="-128"/>
+                        <a:ea typeface="Yu Gothic Medium" charset="-128"/>
+                        <a:cs typeface="Yu Gothic Medium" charset="-128"/>
+                      </a:endParaRPr>
+                    </a:p>
+                  </a:txBody>
+                  <a:tcPr/>
+                </a:tc>
+              </a:tr>
+              <a:tr h="606857">
+                <a:tc>
+                  <a:txBody>
+                    <a:bodyPr/>
+                    <a:lstStyle/>
+                    <a:p>
+                      <a:pPr algn="ctr"/>
+                      <a:r>
+                        <a:rPr kumimoji="1" lang="en-US" altLang="ja-JP" sz="3200" b="0" i="0" spc="300" dirty="0" smtClean="0">
+                          <a:solidFill>
+                            <a:schemeClr val="tx1">
+                              <a:lumMod val="75000"/>
+                              <a:lumOff val="25000"/>
+                            </a:schemeClr>
+                          </a:solidFill>
+                          <a:latin typeface="Yu Gothic Medium" charset="-128"/>
+                          <a:ea typeface="Yu Gothic Medium" charset="-128"/>
+                          <a:cs typeface="Yu Gothic Medium" charset="-128"/>
+                        </a:rPr>
+                        <a:t>13:00</a:t>
+                      </a:r>
+                      <a:endParaRPr kumimoji="1" lang="ja-JP" altLang="en-US" sz="3200" b="0" i="0" spc="300" dirty="0">
+                        <a:solidFill>
+                          <a:schemeClr val="tx1">
+                            <a:lumMod val="75000"/>
+                            <a:lumOff val="25000"/>
+                          </a:schemeClr>
+                        </a:solidFill>
+                        <a:latin typeface="Yu Gothic Medium" charset="-128"/>
+                        <a:ea typeface="Yu Gothic Medium" charset="-128"/>
+                        <a:cs typeface="Yu Gothic Medium" charset="-128"/>
+                      </a:endParaRPr>
+                    </a:p>
+                  </a:txBody>
+                  <a:tcPr/>
+                </a:tc>
+                <a:tc>
+                  <a:txBody>
+                    <a:bodyPr/>
+                    <a:lstStyle/>
+                    <a:p>
+                      <a:r>
+                        <a:rPr kumimoji="1" lang="ja-JP" altLang="en-US" sz="3200" b="0" i="0" spc="300" dirty="0" smtClean="0">
+                          <a:solidFill>
+                            <a:schemeClr val="tx1">
+                              <a:lumMod val="75000"/>
+                              <a:lumOff val="25000"/>
+                            </a:schemeClr>
+                          </a:solidFill>
+                          <a:latin typeface="Yu Gothic Medium" charset="-128"/>
+                          <a:ea typeface="Yu Gothic Medium" charset="-128"/>
+                          <a:cs typeface="Yu Gothic Medium" charset="-128"/>
+                        </a:rPr>
+                        <a:t>開発再開</a:t>
+                      </a:r>
+                      <a:endParaRPr kumimoji="1" lang="ja-JP" altLang="en-US" sz="3200" b="0" i="0" spc="300" dirty="0">
+                        <a:solidFill>
+                          <a:schemeClr val="tx1">
+                            <a:lumMod val="75000"/>
+                            <a:lumOff val="25000"/>
+                          </a:schemeClr>
+                        </a:solidFill>
+                        <a:latin typeface="Yu Gothic Medium" charset="-128"/>
+                        <a:ea typeface="Yu Gothic Medium" charset="-128"/>
+                        <a:cs typeface="Yu Gothic Medium" charset="-128"/>
+                      </a:endParaRPr>
+                    </a:p>
+                  </a:txBody>
+                  <a:tcPr/>
+                </a:tc>
+              </a:tr>
+              <a:tr h="606857">
+                <a:tc>
+                  <a:txBody>
+                    <a:bodyPr/>
+                    <a:lstStyle/>
+                    <a:p>
+                      <a:pPr algn="ctr"/>
+                      <a:r>
+                        <a:rPr kumimoji="1" lang="en-US" altLang="ja-JP" sz="3200" b="0" i="0" spc="300" dirty="0" smtClean="0">
+                          <a:solidFill>
+                            <a:schemeClr val="tx1">
+                              <a:lumMod val="75000"/>
+                              <a:lumOff val="25000"/>
+                            </a:schemeClr>
+                          </a:solidFill>
+                          <a:latin typeface="Yu Gothic Medium" charset="-128"/>
+                          <a:ea typeface="Yu Gothic Medium" charset="-128"/>
+                          <a:cs typeface="Yu Gothic Medium" charset="-128"/>
+                        </a:rPr>
+                        <a:t>15:00</a:t>
+                      </a:r>
+                      <a:endParaRPr kumimoji="1" lang="ja-JP" altLang="en-US" sz="3200" b="0" i="0" spc="300" dirty="0">
+                        <a:solidFill>
+                          <a:schemeClr val="tx1">
+                            <a:lumMod val="75000"/>
+                            <a:lumOff val="25000"/>
+                          </a:schemeClr>
+                        </a:solidFill>
+                        <a:latin typeface="Yu Gothic Medium" charset="-128"/>
+                        <a:ea typeface="Yu Gothic Medium" charset="-128"/>
+                        <a:cs typeface="Yu Gothic Medium" charset="-128"/>
+                      </a:endParaRPr>
+                    </a:p>
+                  </a:txBody>
+                  <a:tcPr/>
+                </a:tc>
+                <a:tc>
+                  <a:txBody>
+                    <a:bodyPr/>
+                    <a:lstStyle/>
+                    <a:p>
+                      <a:r>
+                        <a:rPr kumimoji="1" lang="ja-JP" altLang="en-US" sz="3200" b="0" i="0" spc="300" dirty="0" smtClean="0">
+                          <a:solidFill>
+                            <a:schemeClr val="tx1">
+                              <a:lumMod val="75000"/>
+                              <a:lumOff val="25000"/>
+                            </a:schemeClr>
+                          </a:solidFill>
+                          <a:latin typeface="Yu Gothic Medium" charset="-128"/>
+                          <a:ea typeface="Yu Gothic Medium" charset="-128"/>
+                          <a:cs typeface="Yu Gothic Medium" charset="-128"/>
+                        </a:rPr>
+                        <a:t>中間発表</a:t>
+                      </a:r>
+                      <a:endParaRPr kumimoji="1" lang="ja-JP" altLang="en-US" sz="3200" b="0" i="0" spc="300" dirty="0">
+                        <a:solidFill>
+                          <a:schemeClr val="tx1">
+                            <a:lumMod val="75000"/>
+                            <a:lumOff val="25000"/>
+                          </a:schemeClr>
+                        </a:solidFill>
+                        <a:latin typeface="Yu Gothic Medium" charset="-128"/>
+                        <a:ea typeface="Yu Gothic Medium" charset="-128"/>
+                        <a:cs typeface="Yu Gothic Medium" charset="-128"/>
+                      </a:endParaRPr>
+                    </a:p>
+                  </a:txBody>
+                  <a:tcPr/>
+                </a:tc>
+              </a:tr>
+              <a:tr h="606857">
+                <a:tc>
+                  <a:txBody>
+                    <a:bodyPr/>
+                    <a:lstStyle/>
+                    <a:p>
+                      <a:pPr algn="ctr"/>
+                      <a:r>
+                        <a:rPr kumimoji="1" lang="en-US" altLang="ja-JP" sz="3200" b="0" i="0" spc="300" dirty="0" smtClean="0">
+                          <a:solidFill>
+                            <a:schemeClr val="tx1">
+                              <a:lumMod val="75000"/>
+                              <a:lumOff val="25000"/>
+                            </a:schemeClr>
+                          </a:solidFill>
+                          <a:latin typeface="Yu Gothic Medium" charset="-128"/>
+                          <a:ea typeface="Yu Gothic Medium" charset="-128"/>
+                          <a:cs typeface="Yu Gothic Medium" charset="-128"/>
+                        </a:rPr>
+                        <a:t>18:00</a:t>
+                      </a:r>
+                      <a:endParaRPr kumimoji="1" lang="ja-JP" altLang="en-US" sz="3200" b="0" i="0" spc="300" dirty="0">
+                        <a:solidFill>
+                          <a:schemeClr val="tx1">
+                            <a:lumMod val="75000"/>
+                            <a:lumOff val="25000"/>
+                          </a:schemeClr>
+                        </a:solidFill>
+                        <a:latin typeface="Yu Gothic Medium" charset="-128"/>
+                        <a:ea typeface="Yu Gothic Medium" charset="-128"/>
+                        <a:cs typeface="Yu Gothic Medium" charset="-128"/>
+                      </a:endParaRPr>
+                    </a:p>
+                  </a:txBody>
+                  <a:tcPr/>
+                </a:tc>
+                <a:tc>
+                  <a:txBody>
+                    <a:bodyPr/>
+                    <a:lstStyle/>
+                    <a:p>
+                      <a:r>
+                        <a:rPr kumimoji="1" lang="en-US" altLang="ja-JP" sz="3200" b="0" i="0" spc="300" dirty="0" smtClean="0">
+                          <a:solidFill>
+                            <a:schemeClr val="tx1">
+                              <a:lumMod val="75000"/>
+                              <a:lumOff val="25000"/>
+                            </a:schemeClr>
+                          </a:solidFill>
+                          <a:latin typeface="Yu Gothic Medium" charset="-128"/>
+                          <a:ea typeface="Yu Gothic Medium" charset="-128"/>
+                          <a:cs typeface="Yu Gothic Medium" charset="-128"/>
+                        </a:rPr>
+                        <a:t>1</a:t>
+                      </a:r>
+                      <a:r>
+                        <a:rPr kumimoji="1" lang="ja-JP" altLang="en-US" sz="3200" b="0" i="0" spc="300" dirty="0" smtClean="0">
+                          <a:solidFill>
+                            <a:schemeClr val="tx1">
+                              <a:lumMod val="75000"/>
+                              <a:lumOff val="25000"/>
+                            </a:schemeClr>
+                          </a:solidFill>
+                          <a:latin typeface="Yu Gothic Medium" charset="-128"/>
+                          <a:ea typeface="Yu Gothic Medium" charset="-128"/>
+                          <a:cs typeface="Yu Gothic Medium" charset="-128"/>
+                        </a:rPr>
+                        <a:t>日目の開発終了</a:t>
+                      </a:r>
+                      <a:endParaRPr kumimoji="1" lang="ja-JP" altLang="en-US" sz="3200" b="0" i="0" spc="300" dirty="0">
+                        <a:solidFill>
+                          <a:schemeClr val="tx1">
+                            <a:lumMod val="75000"/>
+                            <a:lumOff val="25000"/>
+                          </a:schemeClr>
+                        </a:solidFill>
+                        <a:latin typeface="Yu Gothic Medium" charset="-128"/>
+                        <a:ea typeface="Yu Gothic Medium" charset="-128"/>
+                        <a:cs typeface="Yu Gothic Medium" charset="-128"/>
+                      </a:endParaRPr>
+                    </a:p>
+                  </a:txBody>
+                  <a:tcPr/>
+                </a:tc>
+              </a:tr>
+            </a:tbl>
+          </a:graphicData>
+        </a:graphic>
+      </p:graphicFrame>
+    </p:spTree>
+    <p:extLst>
+      <p:ext uri="{BB962C8B-B14F-4D97-AF65-F5344CB8AC3E}">
+        <p14:creationId xmlns:p14="http://schemas.microsoft.com/office/powerpoint/2010/main" val="1289443476"/>
+      </p:ext>
+    </p:extLst>
+  </p:cSld>
+  <p:clrMapOvr>
+    <a:masterClrMapping/>
+  </p:clrMapOvr>
+  <p:timing>
+    <p:tnLst>
+      <p:par>
+        <p:cTn id="1" dur="indefinite" restart="never" nodeType="tmRoot"/>
+      </p:par>
+    </p:tnLst>
+  </p:timing>
+</p:sld>
+</file>
+
+<file path=ppt/slides/slide15.xml><?xml version="1.0" encoding="utf-8"?>
+<p:sld xmlns:a="http://schemas.openxmlformats.org/drawingml/2006/main" xmlns:r="http://schemas.openxmlformats.org/officeDocument/2006/relationships" xmlns:p="http://schemas.openxmlformats.org/presentationml/2006/main">
+  <p:cSld>
+    <p:spTree>
+      <p:nvGrpSpPr>
+        <p:cNvPr id="1" name=""/>
+        <p:cNvGrpSpPr/>
+        <p:nvPr/>
+      </p:nvGrpSpPr>
+      <p:grpSpPr>
+        <a:xfrm>
+          <a:off x="0" y="0"/>
+          <a:ext cx="0" cy="0"/>
+          <a:chOff x="0" y="0"/>
+          <a:chExt cx="0" cy="0"/>
+        </a:xfrm>
+      </p:grpSpPr>
+      <p:sp>
+        <p:nvSpPr>
+          <p:cNvPr id="5" name="テキスト ボックス 4"/>
+          <p:cNvSpPr txBox="1"/>
+          <p:nvPr/>
+        </p:nvSpPr>
+        <p:spPr>
+          <a:xfrm>
+            <a:off x="2772009" y="2712182"/>
+            <a:ext cx="6647974" cy="1938992"/>
+          </a:xfrm>
+          <a:prstGeom prst="rect">
+            <a:avLst/>
+          </a:prstGeom>
+          <a:noFill/>
+        </p:spPr>
+        <p:txBody>
+          <a:bodyPr wrap="none" rtlCol="0">
+            <a:spAutoFit/>
+          </a:bodyPr>
+          <a:lstStyle/>
+          <a:p>
+            <a:pPr algn="ctr"/>
+            <a:r>
+              <a:rPr lang="ja-JP" altLang="en-US" sz="12000" b="1" spc="600" dirty="0" smtClean="0">
+                <a:solidFill>
+                  <a:schemeClr val="bg1"/>
+                </a:solidFill>
+                <a:latin typeface="Yu Gothic" charset="-128"/>
+                <a:ea typeface="Yu Gothic" charset="-128"/>
+                <a:cs typeface="Yu Gothic" charset="-128"/>
+              </a:rPr>
+              <a:t>お</a:t>
+            </a:r>
+            <a:r>
+              <a:rPr lang="ja-JP" altLang="en-US" sz="12000" b="1" spc="600" dirty="0">
+                <a:solidFill>
+                  <a:schemeClr val="bg1"/>
+                </a:solidFill>
+                <a:latin typeface="Yu Gothic" charset="-128"/>
+                <a:ea typeface="Yu Gothic" charset="-128"/>
+                <a:cs typeface="Yu Gothic" charset="-128"/>
+              </a:rPr>
+              <a:t>題</a:t>
+            </a:r>
+            <a:r>
+              <a:rPr kumimoji="1" lang="ja-JP" altLang="en-US" sz="12000" b="1" spc="600" dirty="0" smtClean="0">
+                <a:solidFill>
+                  <a:schemeClr val="bg1"/>
+                </a:solidFill>
+                <a:latin typeface="Yu Gothic" charset="-128"/>
+                <a:ea typeface="Yu Gothic" charset="-128"/>
+                <a:cs typeface="Yu Gothic" charset="-128"/>
+              </a:rPr>
+              <a:t>発表</a:t>
+            </a:r>
+            <a:endParaRPr kumimoji="1" lang="ja-JP" altLang="en-US" sz="12000" b="1" spc="600" dirty="0">
+              <a:solidFill>
+                <a:schemeClr val="bg1"/>
+              </a:solidFill>
+              <a:latin typeface="Yu Gothic" charset="-128"/>
+              <a:ea typeface="Yu Gothic" charset="-128"/>
+              <a:cs typeface="Yu Gothic" charset="-128"/>
+            </a:endParaRPr>
+          </a:p>
+        </p:txBody>
+      </p:sp>
+    </p:spTree>
+    <p:extLst>
+      <p:ext uri="{BB962C8B-B14F-4D97-AF65-F5344CB8AC3E}">
+        <p14:creationId xmlns:p14="http://schemas.microsoft.com/office/powerpoint/2010/main" val="524899597"/>
+      </p:ext>
+    </p:extLst>
+  </p:cSld>
+  <p:clrMapOvr>
+    <a:masterClrMapping/>
+  </p:clrMapOvr>
+  <p:timing>
+    <p:tnLst>
+      <p:par>
+        <p:cTn id="1" dur="indefinite" restart="never" nodeType="tmRoot"/>
+      </p:par>
+    </p:tnLst>
+  </p:timing>
+</p:sld>
+</file>
+
+<file path=ppt/slides/slide16.xml><?xml version="1.0" encoding="utf-8"?>
+<p:sld xmlns:a="http://schemas.openxmlformats.org/drawingml/2006/main" xmlns:r="http://schemas.openxmlformats.org/officeDocument/2006/relationships" xmlns:p="http://schemas.openxmlformats.org/presentationml/2006/main">
+  <p:cSld>
+    <p:spTree>
+      <p:nvGrpSpPr>
+        <p:cNvPr id="1" name=""/>
+        <p:cNvGrpSpPr/>
+        <p:nvPr/>
+      </p:nvGrpSpPr>
+      <p:grpSpPr>
+        <a:xfrm>
+          <a:off x="0" y="0"/>
+          <a:ext cx="0" cy="0"/>
+          <a:chOff x="0" y="0"/>
+          <a:chExt cx="0" cy="0"/>
+        </a:xfrm>
+      </p:grpSpPr>
+      <p:sp>
+        <p:nvSpPr>
+          <p:cNvPr id="4" name="テキスト ボックス 3"/>
+          <p:cNvSpPr txBox="1"/>
+          <p:nvPr/>
+        </p:nvSpPr>
+        <p:spPr>
+          <a:xfrm>
+            <a:off x="2733541" y="2712182"/>
+            <a:ext cx="6724919" cy="1569660"/>
+          </a:xfrm>
+          <a:prstGeom prst="rect">
+            <a:avLst/>
+          </a:prstGeom>
+          <a:noFill/>
+        </p:spPr>
+        <p:txBody>
+          <a:bodyPr wrap="none" rtlCol="0">
+            <a:spAutoFit/>
+          </a:bodyPr>
+          <a:lstStyle/>
+          <a:p>
+            <a:pPr algn="ctr"/>
+            <a:r>
+              <a:rPr kumimoji="1" lang="ja-JP" altLang="en-US" sz="9600" b="1" spc="600" dirty="0" smtClean="0">
+                <a:solidFill>
+                  <a:schemeClr val="bg1"/>
+                </a:solidFill>
+                <a:latin typeface="Yu Gothic" charset="-128"/>
+                <a:ea typeface="Yu Gothic" charset="-128"/>
+                <a:cs typeface="Yu Gothic" charset="-128"/>
+              </a:rPr>
+              <a:t>ファイト！</a:t>
+            </a:r>
+            <a:endParaRPr kumimoji="1" lang="ja-JP" altLang="en-US" sz="9600" b="1" spc="600" dirty="0">
+              <a:solidFill>
+                <a:schemeClr val="bg1"/>
+              </a:solidFill>
+              <a:latin typeface="Yu Gothic" charset="-128"/>
+              <a:ea typeface="Yu Gothic" charset="-128"/>
+              <a:cs typeface="Yu Gothic" charset="-128"/>
+            </a:endParaRPr>
+          </a:p>
+        </p:txBody>
+      </p:sp>
+    </p:spTree>
+    <p:extLst>
+      <p:ext uri="{BB962C8B-B14F-4D97-AF65-F5344CB8AC3E}">
+        <p14:creationId xmlns:p14="http://schemas.microsoft.com/office/powerpoint/2010/main" val="508191697"/>
+      </p:ext>
+    </p:extLst>
+  </p:cSld>
+  <p:clrMapOvr>
+    <a:masterClrMapping/>
+  </p:clrMapOvr>
+  <p:timing>
+    <p:tnLst>
+      <p:par>
+        <p:cTn id="1" dur="indefinite" restart="never" nodeType="tmRoot"/>
+      </p:par>
+    </p:tnLst>
+  </p:timing>
+</p:sld>
+</file>
+
 <file path=ppt/slides/slide2.xml><?xml version="1.0" encoding="utf-8"?>
 <p:sld xmlns:a="http://schemas.openxmlformats.org/drawingml/2006/main" xmlns:r="http://schemas.openxmlformats.org/officeDocument/2006/relationships" xmlns:p="http://schemas.openxmlformats.org/presentationml/2006/main">
   <p:cSld>
@@ -3936,7 +6500,7 @@
           <p:nvPr>
             <p:extLst>
               <p:ext uri="{D42A27DB-BD31-4B8C-83A1-F6EECF244321}">
-                <p14:modId xmlns:p14="http://schemas.microsoft.com/office/powerpoint/2010/main" val="1828321438"/>
+                <p14:modId xmlns:p14="http://schemas.microsoft.com/office/powerpoint/2010/main" val="2719765862"/>
               </p:ext>
             </p:extLst>
           </p:nvPr>
@@ -4349,7 +6913,7 @@
                         </a:lnSpc>
                       </a:pPr>
                       <a:r>
-                        <a:rPr kumimoji="1" lang="en-US" altLang="ja-JP" sz="2000" b="0" i="0" smtClean="0">
+                        <a:rPr kumimoji="1" lang="en-US" altLang="ja-JP" sz="2000" b="0" i="0" dirty="0" smtClean="0">
                           <a:solidFill>
                             <a:schemeClr val="tx1">
                               <a:lumMod val="75000"/>
@@ -4360,9 +6924,9 @@
                           <a:ea typeface="Yu Gothic Medium" charset="-128"/>
                           <a:cs typeface="Yu Gothic Medium" charset="-128"/>
                         </a:rPr>
-                        <a:t>10:00</a:t>
+                        <a:t>10:30</a:t>
                       </a:r>
-                      <a:endParaRPr kumimoji="1" lang="ja-JP" altLang="en-US" sz="2000" b="0" i="0">
+                      <a:endParaRPr kumimoji="1" lang="ja-JP" altLang="en-US" sz="2000" b="0" i="0" dirty="0">
                         <a:solidFill>
                           <a:schemeClr val="tx1">
                             <a:lumMod val="75000"/>
@@ -5930,11 +8494,11 @@
             </a:pPr>
             <a:r>
               <a:rPr kumimoji="1" lang="ja-JP" altLang="en-US" sz="3200" dirty="0" smtClean="0"/>
-              <a:t>１チーム５分の発表</a:t>
+              <a:t>１チーム５分の発表とします！（デモ</a:t>
             </a:r>
             <a:r>
               <a:rPr kumimoji="1" lang="ja-JP" altLang="en-US" sz="3200" dirty="0" smtClean="0"/>
-              <a:t>とします！（デモ含み）</a:t>
+              <a:t>含む）</a:t>
             </a:r>
             <a:endParaRPr kumimoji="1" lang="en-US" altLang="ja-JP" sz="3200" dirty="0" smtClean="0"/>
           </a:p>
@@ -5958,15 +8522,7 @@
             </a:pPr>
             <a:r>
               <a:rPr lang="ja-JP" altLang="en-US" sz="3200" dirty="0" smtClean="0"/>
-              <a:t>時間</a:t>
-            </a:r>
-            <a:r>
-              <a:rPr lang="ja-JP" altLang="en-US" sz="3200" dirty="0" smtClean="0"/>
-              <a:t>オーバー</a:t>
-            </a:r>
-            <a:r>
-              <a:rPr lang="ja-JP" altLang="en-US" sz="3200" dirty="0" smtClean="0"/>
-              <a:t>はなし！</a:t>
+              <a:t>時間オーバーはなし！</a:t>
             </a:r>
             <a:endParaRPr lang="en-US" altLang="ja-JP" sz="3200" dirty="0" smtClean="0"/>
           </a:p>
@@ -5990,11 +8546,7 @@
             </a:pPr>
             <a:r>
               <a:rPr lang="ja-JP" altLang="en-US" sz="3200" dirty="0" smtClean="0"/>
-              <a:t>発表</a:t>
-            </a:r>
-            <a:r>
-              <a:rPr lang="ja-JP" altLang="en-US" sz="3200" dirty="0" smtClean="0"/>
-              <a:t>の途中でも中断させていただきます！</a:t>
+              <a:t>発表の途中でも中断させていただきます！</a:t>
             </a:r>
             <a:endParaRPr kumimoji="1" lang="ja-JP" altLang="en-US" sz="3200" dirty="0"/>
           </a:p>
@@ -6270,6 +8822,62 @@
               <a:t>を使うこと！</a:t>
             </a:r>
             <a:endParaRPr kumimoji="1" lang="ja-JP" altLang="en-US" sz="10000" b="1" spc="600" dirty="0">
+              <a:solidFill>
+                <a:schemeClr val="bg1"/>
+              </a:solidFill>
+              <a:latin typeface="Yu Gothic" charset="-128"/>
+              <a:ea typeface="Yu Gothic" charset="-128"/>
+              <a:cs typeface="Yu Gothic" charset="-128"/>
+            </a:endParaRPr>
+          </a:p>
+        </p:txBody>
+      </p:sp>
+      <p:sp>
+        <p:nvSpPr>
+          <p:cNvPr id="6" name="テキスト ボックス 5"/>
+          <p:cNvSpPr txBox="1"/>
+          <p:nvPr/>
+        </p:nvSpPr>
+        <p:spPr>
+          <a:xfrm>
+            <a:off x="1363251" y="4902097"/>
+            <a:ext cx="9291326" cy="523220"/>
+          </a:xfrm>
+          <a:prstGeom prst="rect">
+            <a:avLst/>
+          </a:prstGeom>
+          <a:noFill/>
+        </p:spPr>
+        <p:txBody>
+          <a:bodyPr wrap="none" rtlCol="0">
+            <a:spAutoFit/>
+          </a:bodyPr>
+          <a:lstStyle/>
+          <a:p>
+            <a:pPr algn="ctr"/>
+            <a:r>
+              <a:rPr kumimoji="1" lang="en-US" altLang="ja-JP" sz="2800" b="1" spc="600" dirty="0" smtClean="0">
+                <a:solidFill>
+                  <a:schemeClr val="bg1"/>
+                </a:solidFill>
+                <a:latin typeface="Yu Gothic" charset="-128"/>
+                <a:ea typeface="Yu Gothic" charset="-128"/>
+                <a:cs typeface="Yu Gothic" charset="-128"/>
+              </a:rPr>
+              <a:t>※GitHub</a:t>
+            </a:r>
+            <a:r>
+              <a:rPr kumimoji="1" lang="ja-JP" altLang="en-US" sz="2800" b="1" spc="600" dirty="0" smtClean="0">
+                <a:solidFill>
+                  <a:schemeClr val="bg1"/>
+                </a:solidFill>
+                <a:latin typeface="Yu Gothic" charset="-128"/>
+                <a:ea typeface="Yu Gothic" charset="-128"/>
+                <a:cs typeface="Yu Gothic" charset="-128"/>
+              </a:rPr>
+              <a:t>に各チームのリポジトリがあります</a:t>
+            </a:r>
+            <a:endParaRPr kumimoji="1" lang="ja-JP" altLang="en-US" sz="2800" b="1" spc="600" dirty="0">
               <a:solidFill>
                 <a:schemeClr val="bg1"/>
               </a:solidFill>
@@ -6559,567 +9167,53 @@
       </p:grpSpPr>
       <p:sp>
         <p:nvSpPr>
-          <p:cNvPr id="2" name="タイトル 1"/>
-          <p:cNvSpPr>
-            <a:spLocks noGrp="1"/>
-          </p:cNvSpPr>
-          <p:nvPr>
-            <p:ph type="title"/>
-          </p:nvPr>
-        </p:nvSpPr>
-        <p:spPr/>
-        <p:txBody>
-          <a:bodyPr/>
+          <p:cNvPr id="5" name="テキスト ボックス 4"/>
+          <p:cNvSpPr txBox="1"/>
+          <p:nvPr/>
+        </p:nvSpPr>
+        <p:spPr>
+          <a:xfrm>
+            <a:off x="348271" y="2712182"/>
+            <a:ext cx="11495455" cy="1938992"/>
+          </a:xfrm>
+          <a:prstGeom prst="rect">
+            <a:avLst/>
+          </a:prstGeom>
+          <a:noFill/>
+        </p:spPr>
+        <p:txBody>
+          <a:bodyPr wrap="none" rtlCol="0">
+            <a:spAutoFit/>
+          </a:bodyPr>
           <a:lstStyle/>
           <a:p>
-            <a:r>
-              <a:rPr kumimoji="1" lang="ja-JP" altLang="en-US" dirty="0" smtClean="0">
+            <a:pPr algn="ctr"/>
+            <a:r>
+              <a:rPr kumimoji="1" lang="ja-JP" altLang="en-US" sz="12000" b="1" spc="600" dirty="0" smtClean="0">
                 <a:solidFill>
                   <a:schemeClr val="bg1"/>
                 </a:solidFill>
+                <a:latin typeface="Yu Gothic" charset="-128"/>
+                <a:ea typeface="Yu Gothic" charset="-128"/>
+                <a:cs typeface="Yu Gothic" charset="-128"/>
               </a:rPr>
-              <a:t>本日のタイムテーブル</a:t>
-            </a:r>
-            <a:endParaRPr kumimoji="1" lang="ja-JP" altLang="en-US" dirty="0">
+              <a:t>アイスブレイク</a:t>
+            </a:r>
+            <a:endParaRPr kumimoji="1" lang="ja-JP" altLang="en-US" sz="12000" b="1" spc="600" dirty="0">
               <a:solidFill>
                 <a:schemeClr val="bg1"/>
               </a:solidFill>
+              <a:latin typeface="Yu Gothic" charset="-128"/>
+              <a:ea typeface="Yu Gothic" charset="-128"/>
+              <a:cs typeface="Yu Gothic" charset="-128"/>
             </a:endParaRPr>
           </a:p>
         </p:txBody>
       </p:sp>
-      <p:graphicFrame>
-        <p:nvGraphicFramePr>
-          <p:cNvPr id="6" name="表 5"/>
-          <p:cNvGraphicFramePr>
-            <a:graphicFrameLocks noGrp="1"/>
-          </p:cNvGraphicFramePr>
-          <p:nvPr>
-            <p:extLst>
-              <p:ext uri="{D42A27DB-BD31-4B8C-83A1-F6EECF244321}">
-                <p14:modId xmlns:p14="http://schemas.microsoft.com/office/powerpoint/2010/main" val="74620372"/>
-              </p:ext>
-            </p:extLst>
-          </p:nvPr>
-        </p:nvGraphicFramePr>
-        <p:xfrm>
-          <a:off x="1435100" y="1690688"/>
-          <a:ext cx="9321800" cy="4281222"/>
-        </p:xfrm>
-        <a:graphic>
-          <a:graphicData uri="http://schemas.openxmlformats.org/drawingml/2006/table">
-            <a:tbl>
-              <a:tblPr firstRow="1" bandRow="1">
-                <a:tableStyleId>{9DCAF9ED-07DC-4A11-8D7F-57B35C25682E}</a:tableStyleId>
-              </a:tblPr>
-              <a:tblGrid>
-                <a:gridCol w="4660900"/>
-                <a:gridCol w="4660900"/>
-              </a:tblGrid>
-              <a:tr h="606857">
-                <a:tc>
-                  <a:txBody>
-                    <a:bodyPr/>
-                    <a:lstStyle/>
-                    <a:p>
-                      <a:pPr algn="ctr"/>
-                      <a:r>
-                        <a:rPr kumimoji="1" lang="ja-JP" altLang="en-US" sz="3600" b="0" i="0" spc="600" dirty="0" smtClean="0">
-                          <a:latin typeface="Yu Gothic Medium" charset="-128"/>
-                          <a:ea typeface="Yu Gothic Medium" charset="-128"/>
-                          <a:cs typeface="Yu Gothic Medium" charset="-128"/>
-                        </a:rPr>
-                        <a:t>時間</a:t>
-                      </a:r>
-                      <a:endParaRPr kumimoji="1" lang="ja-JP" altLang="en-US" sz="3600" b="0" i="0" spc="600" dirty="0">
-                        <a:latin typeface="Yu Gothic Medium" charset="-128"/>
-                        <a:ea typeface="Yu Gothic Medium" charset="-128"/>
-                        <a:cs typeface="Yu Gothic Medium" charset="-128"/>
-                      </a:endParaRPr>
-                    </a:p>
-                  </a:txBody>
-                  <a:tcPr>
-                    <a:solidFill>
-                      <a:schemeClr val="accent2"/>
-                    </a:solidFill>
-                  </a:tcPr>
-                </a:tc>
-                <a:tc>
-                  <a:txBody>
-                    <a:bodyPr/>
-                    <a:lstStyle/>
-                    <a:p>
-                      <a:pPr algn="ctr"/>
-                      <a:r>
-                        <a:rPr kumimoji="1" lang="ja-JP" altLang="en-US" sz="3600" b="0" i="0" spc="600" dirty="0" smtClean="0">
-                          <a:latin typeface="Yu Gothic Medium" charset="-128"/>
-                          <a:ea typeface="Yu Gothic Medium" charset="-128"/>
-                          <a:cs typeface="Yu Gothic Medium" charset="-128"/>
-                        </a:rPr>
-                        <a:t>やること</a:t>
-                      </a:r>
-                      <a:endParaRPr kumimoji="1" lang="ja-JP" altLang="en-US" sz="3600" b="0" i="0" spc="600" dirty="0">
-                        <a:latin typeface="Yu Gothic Medium" charset="-128"/>
-                        <a:ea typeface="Yu Gothic Medium" charset="-128"/>
-                        <a:cs typeface="Yu Gothic Medium" charset="-128"/>
-                      </a:endParaRPr>
-                    </a:p>
-                  </a:txBody>
-                  <a:tcPr>
-                    <a:solidFill>
-                      <a:schemeClr val="accent2"/>
-                    </a:solidFill>
-                  </a:tcPr>
-                </a:tc>
-              </a:tr>
-              <a:tr h="606857">
-                <a:tc>
-                  <a:txBody>
-                    <a:bodyPr/>
-                    <a:lstStyle/>
-                    <a:p>
-                      <a:pPr algn="ctr"/>
-                      <a:r>
-                        <a:rPr kumimoji="1" lang="en-US" altLang="ja-JP" sz="3200" b="0" i="0" spc="300" dirty="0" smtClean="0">
-                          <a:solidFill>
-                            <a:schemeClr val="tx1">
-                              <a:lumMod val="75000"/>
-                              <a:lumOff val="25000"/>
-                            </a:schemeClr>
-                          </a:solidFill>
-                          <a:latin typeface="Yu Gothic Medium" charset="-128"/>
-                          <a:ea typeface="Yu Gothic Medium" charset="-128"/>
-                          <a:cs typeface="Yu Gothic Medium" charset="-128"/>
-                        </a:rPr>
-                        <a:t>  9:00</a:t>
-                      </a:r>
-                      <a:endParaRPr kumimoji="1" lang="ja-JP" altLang="en-US" sz="3200" b="0" i="0" spc="300" dirty="0">
-                        <a:solidFill>
-                          <a:schemeClr val="tx1">
-                            <a:lumMod val="75000"/>
-                            <a:lumOff val="25000"/>
-                          </a:schemeClr>
-                        </a:solidFill>
-                        <a:latin typeface="Yu Gothic Medium" charset="-128"/>
-                        <a:ea typeface="Yu Gothic Medium" charset="-128"/>
-                        <a:cs typeface="Yu Gothic Medium" charset="-128"/>
-                      </a:endParaRPr>
-                    </a:p>
-                  </a:txBody>
-                  <a:tcPr/>
-                </a:tc>
-                <a:tc>
-                  <a:txBody>
-                    <a:bodyPr/>
-                    <a:lstStyle/>
-                    <a:p>
-                      <a:r>
-                        <a:rPr kumimoji="1" lang="ja-JP" altLang="en-US" sz="3200" b="0" i="0" spc="300" dirty="0" smtClean="0">
-                          <a:solidFill>
-                            <a:schemeClr val="tx1">
-                              <a:lumMod val="75000"/>
-                              <a:lumOff val="25000"/>
-                            </a:schemeClr>
-                          </a:solidFill>
-                          <a:latin typeface="Yu Gothic Medium" charset="-128"/>
-                          <a:ea typeface="Yu Gothic Medium" charset="-128"/>
-                          <a:cs typeface="Yu Gothic Medium" charset="-128"/>
-                        </a:rPr>
-                        <a:t>集合・オープニング</a:t>
-                      </a:r>
-                      <a:endParaRPr kumimoji="1" lang="ja-JP" altLang="en-US" sz="3200" b="0" i="0" spc="300" dirty="0">
-                        <a:solidFill>
-                          <a:schemeClr val="tx1">
-                            <a:lumMod val="75000"/>
-                            <a:lumOff val="25000"/>
-                          </a:schemeClr>
-                        </a:solidFill>
-                        <a:latin typeface="Yu Gothic Medium" charset="-128"/>
-                        <a:ea typeface="Yu Gothic Medium" charset="-128"/>
-                        <a:cs typeface="Yu Gothic Medium" charset="-128"/>
-                      </a:endParaRPr>
-                    </a:p>
-                  </a:txBody>
-                  <a:tcPr/>
-                </a:tc>
-              </a:tr>
-              <a:tr h="606857">
-                <a:tc>
-                  <a:txBody>
-                    <a:bodyPr/>
-                    <a:lstStyle/>
-                    <a:p>
-                      <a:pPr algn="ctr"/>
-                      <a:r>
-                        <a:rPr kumimoji="1" lang="en-US" altLang="ja-JP" sz="3200" b="0" i="0" spc="300" dirty="0" smtClean="0">
-                          <a:solidFill>
-                            <a:schemeClr val="tx1">
-                              <a:lumMod val="75000"/>
-                              <a:lumOff val="25000"/>
-                            </a:schemeClr>
-                          </a:solidFill>
-                          <a:latin typeface="Yu Gothic Medium" charset="-128"/>
-                          <a:ea typeface="Yu Gothic Medium" charset="-128"/>
-                          <a:cs typeface="Yu Gothic Medium" charset="-128"/>
-                        </a:rPr>
-                        <a:t>10:00</a:t>
-                      </a:r>
-                      <a:endParaRPr kumimoji="1" lang="ja-JP" altLang="en-US" sz="3200" b="0" i="0" spc="300" dirty="0">
-                        <a:solidFill>
-                          <a:schemeClr val="tx1">
-                            <a:lumMod val="75000"/>
-                            <a:lumOff val="25000"/>
-                          </a:schemeClr>
-                        </a:solidFill>
-                        <a:latin typeface="Yu Gothic Medium" charset="-128"/>
-                        <a:ea typeface="Yu Gothic Medium" charset="-128"/>
-                        <a:cs typeface="Yu Gothic Medium" charset="-128"/>
-                      </a:endParaRPr>
-                    </a:p>
-                  </a:txBody>
-                  <a:tcPr/>
-                </a:tc>
-                <a:tc>
-                  <a:txBody>
-                    <a:bodyPr/>
-                    <a:lstStyle/>
-                    <a:p>
-                      <a:r>
-                        <a:rPr kumimoji="1" lang="ja-JP" altLang="en-US" sz="3200" b="0" i="0" spc="300" dirty="0" smtClean="0">
-                          <a:solidFill>
-                            <a:schemeClr val="tx1">
-                              <a:lumMod val="75000"/>
-                              <a:lumOff val="25000"/>
-                            </a:schemeClr>
-                          </a:solidFill>
-                          <a:latin typeface="Yu Gothic Medium" charset="-128"/>
-                          <a:ea typeface="Yu Gothic Medium" charset="-128"/>
-                          <a:cs typeface="Yu Gothic Medium" charset="-128"/>
-                        </a:rPr>
-                        <a:t>お題発表・開発開始</a:t>
-                      </a:r>
-                      <a:endParaRPr kumimoji="1" lang="ja-JP" altLang="en-US" sz="3200" b="0" i="0" spc="300" dirty="0">
-                        <a:solidFill>
-                          <a:schemeClr val="tx1">
-                            <a:lumMod val="75000"/>
-                            <a:lumOff val="25000"/>
-                          </a:schemeClr>
-                        </a:solidFill>
-                        <a:latin typeface="Yu Gothic Medium" charset="-128"/>
-                        <a:ea typeface="Yu Gothic Medium" charset="-128"/>
-                        <a:cs typeface="Yu Gothic Medium" charset="-128"/>
-                      </a:endParaRPr>
-                    </a:p>
-                  </a:txBody>
-                  <a:tcPr/>
-                </a:tc>
-              </a:tr>
-              <a:tr h="606857">
-                <a:tc>
-                  <a:txBody>
-                    <a:bodyPr/>
-                    <a:lstStyle/>
-                    <a:p>
-                      <a:pPr algn="ctr"/>
-                      <a:r>
-                        <a:rPr kumimoji="1" lang="en-US" altLang="ja-JP" sz="3200" b="0" i="0" spc="300" dirty="0" smtClean="0">
-                          <a:solidFill>
-                            <a:schemeClr val="tx1">
-                              <a:lumMod val="75000"/>
-                              <a:lumOff val="25000"/>
-                            </a:schemeClr>
-                          </a:solidFill>
-                          <a:latin typeface="Yu Gothic Medium" charset="-128"/>
-                          <a:ea typeface="Yu Gothic Medium" charset="-128"/>
-                          <a:cs typeface="Yu Gothic Medium" charset="-128"/>
-                        </a:rPr>
-                        <a:t>12:00</a:t>
-                      </a:r>
-                      <a:endParaRPr kumimoji="1" lang="ja-JP" altLang="en-US" sz="3200" b="0" i="0" spc="300" dirty="0">
-                        <a:solidFill>
-                          <a:schemeClr val="tx1">
-                            <a:lumMod val="75000"/>
-                            <a:lumOff val="25000"/>
-                          </a:schemeClr>
-                        </a:solidFill>
-                        <a:latin typeface="Yu Gothic Medium" charset="-128"/>
-                        <a:ea typeface="Yu Gothic Medium" charset="-128"/>
-                        <a:cs typeface="Yu Gothic Medium" charset="-128"/>
-                      </a:endParaRPr>
-                    </a:p>
-                  </a:txBody>
-                  <a:tcPr/>
-                </a:tc>
-                <a:tc>
-                  <a:txBody>
-                    <a:bodyPr/>
-                    <a:lstStyle/>
-                    <a:p>
-                      <a:r>
-                        <a:rPr kumimoji="1" lang="ja-JP" altLang="en-US" sz="3200" b="0" i="0" spc="300" dirty="0" smtClean="0">
-                          <a:solidFill>
-                            <a:schemeClr val="tx1">
-                              <a:lumMod val="75000"/>
-                              <a:lumOff val="25000"/>
-                            </a:schemeClr>
-                          </a:solidFill>
-                          <a:latin typeface="Yu Gothic Medium" charset="-128"/>
-                          <a:ea typeface="Yu Gothic Medium" charset="-128"/>
-                          <a:cs typeface="Yu Gothic Medium" charset="-128"/>
-                        </a:rPr>
-                        <a:t>お昼休み</a:t>
-                      </a:r>
-                      <a:endParaRPr kumimoji="1" lang="ja-JP" altLang="en-US" sz="3200" b="0" i="0" spc="300" dirty="0">
-                        <a:solidFill>
-                          <a:schemeClr val="tx1">
-                            <a:lumMod val="75000"/>
-                            <a:lumOff val="25000"/>
-                          </a:schemeClr>
-                        </a:solidFill>
-                        <a:latin typeface="Yu Gothic Medium" charset="-128"/>
-                        <a:ea typeface="Yu Gothic Medium" charset="-128"/>
-                        <a:cs typeface="Yu Gothic Medium" charset="-128"/>
-                      </a:endParaRPr>
-                    </a:p>
-                  </a:txBody>
-                  <a:tcPr/>
-                </a:tc>
-              </a:tr>
-              <a:tr h="606857">
-                <a:tc>
-                  <a:txBody>
-                    <a:bodyPr/>
-                    <a:lstStyle/>
-                    <a:p>
-                      <a:pPr algn="ctr"/>
-                      <a:r>
-                        <a:rPr kumimoji="1" lang="en-US" altLang="ja-JP" sz="3200" b="0" i="0" spc="300" dirty="0" smtClean="0">
-                          <a:solidFill>
-                            <a:schemeClr val="tx1">
-                              <a:lumMod val="75000"/>
-                              <a:lumOff val="25000"/>
-                            </a:schemeClr>
-                          </a:solidFill>
-                          <a:latin typeface="Yu Gothic Medium" charset="-128"/>
-                          <a:ea typeface="Yu Gothic Medium" charset="-128"/>
-                          <a:cs typeface="Yu Gothic Medium" charset="-128"/>
-                        </a:rPr>
-                        <a:t>13:00</a:t>
-                      </a:r>
-                      <a:endParaRPr kumimoji="1" lang="ja-JP" altLang="en-US" sz="3200" b="0" i="0" spc="300" dirty="0">
-                        <a:solidFill>
-                          <a:schemeClr val="tx1">
-                            <a:lumMod val="75000"/>
-                            <a:lumOff val="25000"/>
-                          </a:schemeClr>
-                        </a:solidFill>
-                        <a:latin typeface="Yu Gothic Medium" charset="-128"/>
-                        <a:ea typeface="Yu Gothic Medium" charset="-128"/>
-                        <a:cs typeface="Yu Gothic Medium" charset="-128"/>
-                      </a:endParaRPr>
-                    </a:p>
-                  </a:txBody>
-                  <a:tcPr/>
-                </a:tc>
-                <a:tc>
-                  <a:txBody>
-                    <a:bodyPr/>
-                    <a:lstStyle/>
-                    <a:p>
-                      <a:r>
-                        <a:rPr kumimoji="1" lang="ja-JP" altLang="en-US" sz="3200" b="0" i="0" spc="300" dirty="0" smtClean="0">
-                          <a:solidFill>
-                            <a:schemeClr val="tx1">
-                              <a:lumMod val="75000"/>
-                              <a:lumOff val="25000"/>
-                            </a:schemeClr>
-                          </a:solidFill>
-                          <a:latin typeface="Yu Gothic Medium" charset="-128"/>
-                          <a:ea typeface="Yu Gothic Medium" charset="-128"/>
-                          <a:cs typeface="Yu Gothic Medium" charset="-128"/>
-                        </a:rPr>
-                        <a:t>開発再開</a:t>
-                      </a:r>
-                      <a:endParaRPr kumimoji="1" lang="ja-JP" altLang="en-US" sz="3200" b="0" i="0" spc="300" dirty="0">
-                        <a:solidFill>
-                          <a:schemeClr val="tx1">
-                            <a:lumMod val="75000"/>
-                            <a:lumOff val="25000"/>
-                          </a:schemeClr>
-                        </a:solidFill>
-                        <a:latin typeface="Yu Gothic Medium" charset="-128"/>
-                        <a:ea typeface="Yu Gothic Medium" charset="-128"/>
-                        <a:cs typeface="Yu Gothic Medium" charset="-128"/>
-                      </a:endParaRPr>
-                    </a:p>
-                  </a:txBody>
-                  <a:tcPr/>
-                </a:tc>
-              </a:tr>
-              <a:tr h="606857">
-                <a:tc>
-                  <a:txBody>
-                    <a:bodyPr/>
-                    <a:lstStyle/>
-                    <a:p>
-                      <a:pPr algn="ctr"/>
-                      <a:r>
-                        <a:rPr kumimoji="1" lang="en-US" altLang="ja-JP" sz="3200" b="0" i="0" spc="300" dirty="0" smtClean="0">
-                          <a:solidFill>
-                            <a:schemeClr val="tx1">
-                              <a:lumMod val="75000"/>
-                              <a:lumOff val="25000"/>
-                            </a:schemeClr>
-                          </a:solidFill>
-                          <a:latin typeface="Yu Gothic Medium" charset="-128"/>
-                          <a:ea typeface="Yu Gothic Medium" charset="-128"/>
-                          <a:cs typeface="Yu Gothic Medium" charset="-128"/>
-                        </a:rPr>
-                        <a:t>15:00</a:t>
-                      </a:r>
-                      <a:endParaRPr kumimoji="1" lang="ja-JP" altLang="en-US" sz="3200" b="0" i="0" spc="300" dirty="0">
-                        <a:solidFill>
-                          <a:schemeClr val="tx1">
-                            <a:lumMod val="75000"/>
-                            <a:lumOff val="25000"/>
-                          </a:schemeClr>
-                        </a:solidFill>
-                        <a:latin typeface="Yu Gothic Medium" charset="-128"/>
-                        <a:ea typeface="Yu Gothic Medium" charset="-128"/>
-                        <a:cs typeface="Yu Gothic Medium" charset="-128"/>
-                      </a:endParaRPr>
-                    </a:p>
-                  </a:txBody>
-                  <a:tcPr/>
-                </a:tc>
-                <a:tc>
-                  <a:txBody>
-                    <a:bodyPr/>
-                    <a:lstStyle/>
-                    <a:p>
-                      <a:r>
-                        <a:rPr kumimoji="1" lang="ja-JP" altLang="en-US" sz="3200" b="0" i="0" spc="300" dirty="0" smtClean="0">
-                          <a:solidFill>
-                            <a:schemeClr val="tx1">
-                              <a:lumMod val="75000"/>
-                              <a:lumOff val="25000"/>
-                            </a:schemeClr>
-                          </a:solidFill>
-                          <a:latin typeface="Yu Gothic Medium" charset="-128"/>
-                          <a:ea typeface="Yu Gothic Medium" charset="-128"/>
-                          <a:cs typeface="Yu Gothic Medium" charset="-128"/>
-                        </a:rPr>
-                        <a:t>中間発表</a:t>
-                      </a:r>
-                      <a:endParaRPr kumimoji="1" lang="ja-JP" altLang="en-US" sz="3200" b="0" i="0" spc="300" dirty="0">
-                        <a:solidFill>
-                          <a:schemeClr val="tx1">
-                            <a:lumMod val="75000"/>
-                            <a:lumOff val="25000"/>
-                          </a:schemeClr>
-                        </a:solidFill>
-                        <a:latin typeface="Yu Gothic Medium" charset="-128"/>
-                        <a:ea typeface="Yu Gothic Medium" charset="-128"/>
-                        <a:cs typeface="Yu Gothic Medium" charset="-128"/>
-                      </a:endParaRPr>
-                    </a:p>
-                  </a:txBody>
-                  <a:tcPr/>
-                </a:tc>
-              </a:tr>
-              <a:tr h="606857">
-                <a:tc>
-                  <a:txBody>
-                    <a:bodyPr/>
-                    <a:lstStyle/>
-                    <a:p>
-                      <a:pPr algn="ctr"/>
-                      <a:r>
-                        <a:rPr kumimoji="1" lang="en-US" altLang="ja-JP" sz="3200" b="0" i="0" spc="300" dirty="0" smtClean="0">
-                          <a:solidFill>
-                            <a:schemeClr val="tx1">
-                              <a:lumMod val="75000"/>
-                              <a:lumOff val="25000"/>
-                            </a:schemeClr>
-                          </a:solidFill>
-                          <a:latin typeface="Yu Gothic Medium" charset="-128"/>
-                          <a:ea typeface="Yu Gothic Medium" charset="-128"/>
-                          <a:cs typeface="Yu Gothic Medium" charset="-128"/>
-                        </a:rPr>
-                        <a:t>18:00</a:t>
-                      </a:r>
-                      <a:endParaRPr kumimoji="1" lang="ja-JP" altLang="en-US" sz="3200" b="0" i="0" spc="300" dirty="0">
-                        <a:solidFill>
-                          <a:schemeClr val="tx1">
-                            <a:lumMod val="75000"/>
-                            <a:lumOff val="25000"/>
-                          </a:schemeClr>
-                        </a:solidFill>
-                        <a:latin typeface="Yu Gothic Medium" charset="-128"/>
-                        <a:ea typeface="Yu Gothic Medium" charset="-128"/>
-                        <a:cs typeface="Yu Gothic Medium" charset="-128"/>
-                      </a:endParaRPr>
-                    </a:p>
-                  </a:txBody>
-                  <a:tcPr/>
-                </a:tc>
-                <a:tc>
-                  <a:txBody>
-                    <a:bodyPr/>
-                    <a:lstStyle/>
-                    <a:p>
-                      <a:r>
-                        <a:rPr kumimoji="1" lang="en-US" altLang="ja-JP" sz="3200" b="0" i="0" spc="300" dirty="0" smtClean="0">
-                          <a:solidFill>
-                            <a:schemeClr val="tx1">
-                              <a:lumMod val="75000"/>
-                              <a:lumOff val="25000"/>
-                            </a:schemeClr>
-                          </a:solidFill>
-                          <a:latin typeface="Yu Gothic Medium" charset="-128"/>
-                          <a:ea typeface="Yu Gothic Medium" charset="-128"/>
-                          <a:cs typeface="Yu Gothic Medium" charset="-128"/>
-                        </a:rPr>
-                        <a:t>1</a:t>
-                      </a:r>
-                      <a:r>
-                        <a:rPr kumimoji="1" lang="ja-JP" altLang="en-US" sz="3200" b="0" i="0" spc="300" dirty="0" smtClean="0">
-                          <a:solidFill>
-                            <a:schemeClr val="tx1">
-                              <a:lumMod val="75000"/>
-                              <a:lumOff val="25000"/>
-                            </a:schemeClr>
-                          </a:solidFill>
-                          <a:latin typeface="Yu Gothic Medium" charset="-128"/>
-                          <a:ea typeface="Yu Gothic Medium" charset="-128"/>
-                          <a:cs typeface="Yu Gothic Medium" charset="-128"/>
-                        </a:rPr>
-                        <a:t>日目の開発終了</a:t>
-                      </a:r>
-                      <a:endParaRPr kumimoji="1" lang="ja-JP" altLang="en-US" sz="3200" b="0" i="0" spc="300" dirty="0">
-                        <a:solidFill>
-                          <a:schemeClr val="tx1">
-                            <a:lumMod val="75000"/>
-                            <a:lumOff val="25000"/>
-                          </a:schemeClr>
-                        </a:solidFill>
-                        <a:latin typeface="Yu Gothic Medium" charset="-128"/>
-                        <a:ea typeface="Yu Gothic Medium" charset="-128"/>
-                        <a:cs typeface="Yu Gothic Medium" charset="-128"/>
-                      </a:endParaRPr>
-                    </a:p>
-                  </a:txBody>
-                  <a:tcPr/>
-                </a:tc>
-              </a:tr>
-            </a:tbl>
-          </a:graphicData>
-        </a:graphic>
-      </p:graphicFrame>
     </p:spTree>
     <p:extLst>
       <p:ext uri="{BB962C8B-B14F-4D97-AF65-F5344CB8AC3E}">
-        <p14:creationId xmlns:p14="http://schemas.microsoft.com/office/powerpoint/2010/main" val="1289443476"/>
+        <p14:creationId xmlns:p14="http://schemas.microsoft.com/office/powerpoint/2010/main" val="19235491"/>
       </p:ext>
     </p:extLst>
   </p:cSld>
@@ -7155,53 +9249,118 @@
       </p:grpSpPr>
       <p:sp>
         <p:nvSpPr>
-          <p:cNvPr id="4" name="テキスト ボックス 3"/>
-          <p:cNvSpPr txBox="1"/>
-          <p:nvPr/>
+          <p:cNvPr id="2" name="タイトル 1"/>
+          <p:cNvSpPr>
+            <a:spLocks noGrp="1"/>
+          </p:cNvSpPr>
+          <p:nvPr>
+            <p:ph type="title"/>
+          </p:nvPr>
+        </p:nvSpPr>
+        <p:spPr/>
+        <p:txBody>
+          <a:bodyPr>
+            <a:normAutofit/>
+          </a:bodyPr>
+          <a:lstStyle/>
+          <a:p>
+            <a:r>
+              <a:rPr lang="ja-JP" altLang="en-US" sz="5400" spc="600" dirty="0"/>
+              <a:t>コンセンサスゲーム</a:t>
+            </a:r>
+            <a:endParaRPr lang="ja-JP" altLang="en-US" sz="5400" spc="600" dirty="0"/>
+          </a:p>
+        </p:txBody>
+      </p:sp>
+      <p:sp>
+        <p:nvSpPr>
+          <p:cNvPr id="3" name="コンテンツ プレースホルダー 2"/>
+          <p:cNvSpPr>
+            <a:spLocks noGrp="1"/>
+          </p:cNvSpPr>
+          <p:nvPr>
+            <p:ph idx="1"/>
+          </p:nvPr>
         </p:nvSpPr>
         <p:spPr>
           <a:xfrm>
-            <a:off x="2733541" y="2712182"/>
-            <a:ext cx="6724919" cy="1569660"/>
+            <a:off x="838200" y="1973907"/>
+            <a:ext cx="10515600" cy="3586634"/>
           </a:xfrm>
-          <a:prstGeom prst="rect">
-            <a:avLst/>
-          </a:prstGeom>
-          <a:noFill/>
         </p:spPr>
         <p:txBody>
-          <a:bodyPr wrap="none" rtlCol="0">
-            <a:spAutoFit/>
+          <a:bodyPr>
+            <a:normAutofit/>
           </a:bodyPr>
           <a:lstStyle/>
           <a:p>
-            <a:pPr algn="ctr"/>
-            <a:r>
-              <a:rPr kumimoji="1" lang="ja-JP" altLang="en-US" sz="9600" b="1" spc="600" dirty="0" smtClean="0">
+            <a:pPr marL="0" indent="0">
+              <a:buNone/>
+            </a:pPr>
+            <a:r>
+              <a:rPr lang="ja-JP" altLang="en-US" sz="3200" spc="600" dirty="0"/>
+              <a:t>とあるお題に対して</a:t>
+            </a:r>
+            <a:endParaRPr lang="en-US" altLang="ja-JP" sz="3200" spc="600" dirty="0"/>
+          </a:p>
+          <a:p>
+            <a:pPr marL="0" indent="0">
+              <a:buNone/>
+            </a:pPr>
+            <a:r>
+              <a:rPr lang="ja-JP" altLang="en-US" sz="4400" spc="600" dirty="0"/>
+              <a:t>チームで１つの結論を導く</a:t>
+            </a:r>
+            <a:endParaRPr lang="en-US" altLang="ja-JP" sz="4400" spc="600" dirty="0"/>
+          </a:p>
+          <a:p>
+            <a:pPr marL="0" indent="0">
+              <a:buNone/>
+            </a:pPr>
+            <a:endParaRPr lang="en-US" altLang="ja-JP" sz="3200" spc="600" dirty="0"/>
+          </a:p>
+          <a:p>
+            <a:pPr marL="0" indent="0">
+              <a:buNone/>
+            </a:pPr>
+            <a:r>
+              <a:rPr lang="ja-JP" altLang="en-US" sz="3200" spc="600" dirty="0"/>
+              <a:t>ただし、多数決や諦めではなく</a:t>
+            </a:r>
+            <a:endParaRPr lang="en-US" altLang="ja-JP" sz="3200" spc="600" dirty="0"/>
+          </a:p>
+          <a:p>
+            <a:pPr marL="0" indent="0">
+              <a:buNone/>
+            </a:pPr>
+            <a:r>
+              <a:rPr lang="ja-JP" altLang="en-US" sz="3200" spc="600" dirty="0"/>
+              <a:t>しっかり話し合って</a:t>
+            </a:r>
+            <a:r>
+              <a:rPr lang="ja-JP" altLang="en-US" sz="4400" spc="600" dirty="0">
                 <a:solidFill>
-                  <a:schemeClr val="bg1"/>
+                  <a:srgbClr val="FF0000"/>
                 </a:solidFill>
-                <a:latin typeface="Yu Gothic" charset="-128"/>
-                <a:ea typeface="Yu Gothic" charset="-128"/>
-                <a:cs typeface="Yu Gothic" charset="-128"/>
               </a:rPr>
-              <a:t>ファイト！</a:t>
-            </a:r>
-            <a:endParaRPr kumimoji="1" lang="ja-JP" altLang="en-US" sz="9600" b="1" spc="600" dirty="0">
-              <a:solidFill>
-                <a:schemeClr val="bg1"/>
-              </a:solidFill>
-              <a:latin typeface="Yu Gothic" charset="-128"/>
-              <a:ea typeface="Yu Gothic" charset="-128"/>
-              <a:cs typeface="Yu Gothic" charset="-128"/>
-            </a:endParaRPr>
+              <a:t>合意</a:t>
+            </a:r>
+            <a:r>
+              <a:rPr lang="ja-JP" altLang="en-US" sz="3200" spc="600" dirty="0"/>
+              <a:t>する</a:t>
+            </a:r>
+            <a:r>
+              <a:rPr lang="ja-JP" altLang="en-US" sz="3200" spc="600" dirty="0" smtClean="0"/>
+              <a:t>こと</a:t>
+            </a:r>
+            <a:endParaRPr lang="en-US" altLang="ja-JP" sz="3200" spc="600" dirty="0"/>
           </a:p>
         </p:txBody>
       </p:sp>
     </p:spTree>
     <p:extLst>
       <p:ext uri="{BB962C8B-B14F-4D97-AF65-F5344CB8AC3E}">
-        <p14:creationId xmlns:p14="http://schemas.microsoft.com/office/powerpoint/2010/main" val="508191697"/>
+        <p14:creationId xmlns:p14="http://schemas.microsoft.com/office/powerpoint/2010/main" val="3987421773"/>
       </p:ext>
     </p:extLst>
   </p:cSld>
